--- a/Project 2/Project2-World Happiness.pptx
+++ b/Project 2/Project2-World Happiness.pptx
@@ -5,31 +5,33 @@
     <p:sldMasterId id="2147483852" r:id="rId1"/>
   </p:sldMasterIdLst>
   <p:notesMasterIdLst>
-    <p:notesMasterId r:id="rId24"/>
+    <p:notesMasterId r:id="rId26"/>
   </p:notesMasterIdLst>
   <p:sldIdLst>
     <p:sldId id="256" r:id="rId2"/>
     <p:sldId id="257" r:id="rId3"/>
     <p:sldId id="258" r:id="rId4"/>
     <p:sldId id="271" r:id="rId5"/>
-    <p:sldId id="261" r:id="rId6"/>
-    <p:sldId id="262" r:id="rId7"/>
-    <p:sldId id="263" r:id="rId8"/>
-    <p:sldId id="264" r:id="rId9"/>
-    <p:sldId id="267" r:id="rId10"/>
-    <p:sldId id="277" r:id="rId11"/>
-    <p:sldId id="274" r:id="rId12"/>
-    <p:sldId id="265" r:id="rId13"/>
-    <p:sldId id="269" r:id="rId14"/>
-    <p:sldId id="266" r:id="rId15"/>
-    <p:sldId id="272" r:id="rId16"/>
-    <p:sldId id="260" r:id="rId17"/>
-    <p:sldId id="270" r:id="rId18"/>
-    <p:sldId id="273" r:id="rId19"/>
-    <p:sldId id="275" r:id="rId20"/>
-    <p:sldId id="276" r:id="rId21"/>
-    <p:sldId id="268" r:id="rId22"/>
-    <p:sldId id="278" r:id="rId23"/>
+    <p:sldId id="279" r:id="rId6"/>
+    <p:sldId id="280" r:id="rId7"/>
+    <p:sldId id="261" r:id="rId8"/>
+    <p:sldId id="262" r:id="rId9"/>
+    <p:sldId id="263" r:id="rId10"/>
+    <p:sldId id="264" r:id="rId11"/>
+    <p:sldId id="267" r:id="rId12"/>
+    <p:sldId id="277" r:id="rId13"/>
+    <p:sldId id="274" r:id="rId14"/>
+    <p:sldId id="265" r:id="rId15"/>
+    <p:sldId id="269" r:id="rId16"/>
+    <p:sldId id="266" r:id="rId17"/>
+    <p:sldId id="272" r:id="rId18"/>
+    <p:sldId id="260" r:id="rId19"/>
+    <p:sldId id="270" r:id="rId20"/>
+    <p:sldId id="273" r:id="rId21"/>
+    <p:sldId id="275" r:id="rId22"/>
+    <p:sldId id="276" r:id="rId23"/>
+    <p:sldId id="268" r:id="rId24"/>
+    <p:sldId id="278" r:id="rId25"/>
   </p:sldIdLst>
   <p:sldSz cx="12192000" cy="6858000"/>
   <p:notesSz cx="6858000" cy="9144000"/>
@@ -630,7 +632,10 @@
           <a:bodyPr/>
           <a:lstStyle/>
           <a:p>
-            <a:endParaRPr lang="en-US" dirty="0"/>
+            <a:r>
+              <a:rPr lang="en-US" dirty="0"/>
+              <a:t>Change colors. Make bigger and choose one</a:t>
+            </a:r>
           </a:p>
         </p:txBody>
       </p:sp>
@@ -651,7 +656,7 @@
           <a:p>
             <a:fld id="{D6BC3772-6F49-1A46-B21B-9C2E514EC976}" type="slidenum">
               <a:rPr lang="en-US" smtClean="0"/>
-              <a:t>16</a:t>
+              <a:t>12</a:t>
             </a:fld>
             <a:endParaRPr lang="en-US"/>
           </a:p>
@@ -660,7 +665,7 @@
     </p:spTree>
     <p:extLst>
       <p:ext uri="{BB962C8B-B14F-4D97-AF65-F5344CB8AC3E}">
-        <p14:creationId xmlns:p14="http://schemas.microsoft.com/office/powerpoint/2010/main" val="719213416"/>
+        <p14:creationId xmlns:p14="http://schemas.microsoft.com/office/powerpoint/2010/main" val="1596643173"/>
       </p:ext>
     </p:extLst>
   </p:cSld>
@@ -714,10 +719,7 @@
           <a:bodyPr/>
           <a:lstStyle/>
           <a:p>
-            <a:r>
-              <a:rPr lang="en-US" dirty="0"/>
-              <a:t>Make plot bigger and point to top 2 and bottom 2</a:t>
-            </a:r>
+            <a:endParaRPr lang="en-US" dirty="0"/>
           </a:p>
         </p:txBody>
       </p:sp>
@@ -738,7 +740,7 @@
           <a:p>
             <a:fld id="{D6BC3772-6F49-1A46-B21B-9C2E514EC976}" type="slidenum">
               <a:rPr lang="en-US" smtClean="0"/>
-              <a:t>17</a:t>
+              <a:t>14</a:t>
             </a:fld>
             <a:endParaRPr lang="en-US"/>
           </a:p>
@@ -747,7 +749,7 @@
     </p:spTree>
     <p:extLst>
       <p:ext uri="{BB962C8B-B14F-4D97-AF65-F5344CB8AC3E}">
-        <p14:creationId xmlns:p14="http://schemas.microsoft.com/office/powerpoint/2010/main" val="887594944"/>
+        <p14:creationId xmlns:p14="http://schemas.microsoft.com/office/powerpoint/2010/main" val="565744337"/>
       </p:ext>
     </p:extLst>
   </p:cSld>
@@ -801,16 +803,7 @@
           <a:bodyPr/>
           <a:lstStyle/>
           <a:p>
-            <a:r>
-              <a:rPr lang="en-US" dirty="0"/>
-              <a:t>A 10% increase in GDP </a:t>
-            </a:r>
-          </a:p>
-          <a:p>
-            <a:r>
-              <a:rPr lang="en-US" dirty="0"/>
-              <a:t>0.029 increase in Score</a:t>
-            </a:r>
+            <a:endParaRPr lang="en-US" dirty="0"/>
           </a:p>
         </p:txBody>
       </p:sp>
@@ -840,7 +833,7 @@
     </p:spTree>
     <p:extLst>
       <p:ext uri="{BB962C8B-B14F-4D97-AF65-F5344CB8AC3E}">
-        <p14:creationId xmlns:p14="http://schemas.microsoft.com/office/powerpoint/2010/main" val="3079181398"/>
+        <p14:creationId xmlns:p14="http://schemas.microsoft.com/office/powerpoint/2010/main" val="719213416"/>
       </p:ext>
     </p:extLst>
   </p:cSld>
@@ -896,19 +889,7 @@
           <a:p>
             <a:r>
               <a:rPr lang="en-US" dirty="0"/>
-              <a:t>Social support + Freedom to make life choices + Life Expectancy + School Life Expectancy + log(GDP per capita) </a:t>
-            </a:r>
-          </a:p>
-          <a:p>
-            <a:endParaRPr lang="en-US" dirty="0"/>
-          </a:p>
-          <a:p>
-            <a:endParaRPr lang="en-US" dirty="0"/>
-          </a:p>
-          <a:p>
-            <a:r>
-              <a:rPr lang="en-US" dirty="0"/>
-              <a:t>* Replace with simpler slide. Put this in appendix</a:t>
+              <a:t>Make plot bigger and point to top 2 and bottom 2</a:t>
             </a:r>
           </a:p>
         </p:txBody>
@@ -939,7 +920,7 @@
     </p:spTree>
     <p:extLst>
       <p:ext uri="{BB962C8B-B14F-4D97-AF65-F5344CB8AC3E}">
-        <p14:creationId xmlns:p14="http://schemas.microsoft.com/office/powerpoint/2010/main" val="1216754459"/>
+        <p14:creationId xmlns:p14="http://schemas.microsoft.com/office/powerpoint/2010/main" val="887594944"/>
       </p:ext>
     </p:extLst>
   </p:cSld>
@@ -995,7 +976,13 @@
           <a:p>
             <a:r>
               <a:rPr lang="en-US" dirty="0"/>
-              <a:t>Put things I didn’t use in different slides</a:t>
+              <a:t>A 10% increase in GDP </a:t>
+            </a:r>
+          </a:p>
+          <a:p>
+            <a:r>
+              <a:rPr lang="en-US" dirty="0"/>
+              <a:t>0.029 increase in Score</a:t>
             </a:r>
           </a:p>
         </p:txBody>
@@ -1026,7 +1013,7 @@
     </p:spTree>
     <p:extLst>
       <p:ext uri="{BB962C8B-B14F-4D97-AF65-F5344CB8AC3E}">
-        <p14:creationId xmlns:p14="http://schemas.microsoft.com/office/powerpoint/2010/main" val="3685669143"/>
+        <p14:creationId xmlns:p14="http://schemas.microsoft.com/office/powerpoint/2010/main" val="3079181398"/>
       </p:ext>
     </p:extLst>
   </p:cSld>
@@ -1082,7 +1069,19 @@
           <a:p>
             <a:r>
               <a:rPr lang="en-US" dirty="0"/>
-              <a:t>Change colors. Make bigger and choose one</a:t>
+              <a:t>Social support + Freedom to make life choices + Life Expectancy + School Life Expectancy + log(GDP per capita) </a:t>
+            </a:r>
+          </a:p>
+          <a:p>
+            <a:endParaRPr lang="en-US" dirty="0"/>
+          </a:p>
+          <a:p>
+            <a:endParaRPr lang="en-US" dirty="0"/>
+          </a:p>
+          <a:p>
+            <a:r>
+              <a:rPr lang="en-US" dirty="0"/>
+              <a:t>* Replace with simpler slide. Put this in appendix</a:t>
             </a:r>
           </a:p>
         </p:txBody>
@@ -1113,7 +1112,7 @@
     </p:spTree>
     <p:extLst>
       <p:ext uri="{BB962C8B-B14F-4D97-AF65-F5344CB8AC3E}">
-        <p14:creationId xmlns:p14="http://schemas.microsoft.com/office/powerpoint/2010/main" val="3219634728"/>
+        <p14:creationId xmlns:p14="http://schemas.microsoft.com/office/powerpoint/2010/main" val="1216754459"/>
       </p:ext>
     </p:extLst>
   </p:cSld>
@@ -1167,38 +1166,9 @@
           <a:bodyPr/>
           <a:lstStyle/>
           <a:p>
-            <a:pPr marL="0" marR="0" lvl="0" indent="0" algn="l" defTabSz="914400" rtl="0" eaLnBrk="1" fontAlgn="auto" latinLnBrk="0" hangingPunct="1">
-              <a:lnSpc>
-                <a:spcPct val="100000"/>
-              </a:lnSpc>
-              <a:spcBef>
-                <a:spcPts val="0"/>
-              </a:spcBef>
-              <a:spcAft>
-                <a:spcPts val="0"/>
-              </a:spcAft>
-              <a:buClrTx/>
-              <a:buSzTx/>
-              <a:buFontTx/>
-              <a:buNone/>
-              <a:tabLst/>
-              <a:defRPr/>
-            </a:pPr>
             <a:r>
               <a:rPr lang="en-US" dirty="0"/>
-              <a:t>Social support + Freedom to make life choices + Life Expectancy + School Life Expectancy + log(GDP per capita) </a:t>
-            </a:r>
-          </a:p>
-          <a:p>
-            <a:endParaRPr lang="en-US" dirty="0"/>
-          </a:p>
-          <a:p>
-            <a:endParaRPr lang="en-US" dirty="0"/>
-          </a:p>
-          <a:p>
-            <a:r>
-              <a:rPr lang="en-US" dirty="0"/>
-              <a:t>Get rid of table and make graph bigger. Flip so names on y axis</a:t>
+              <a:t>Put things I didn’t use in different slides</a:t>
             </a:r>
           </a:p>
         </p:txBody>
@@ -1221,6 +1191,209 @@
             <a:fld id="{D6BC3772-6F49-1A46-B21B-9C2E514EC976}" type="slidenum">
               <a:rPr lang="en-US" smtClean="0"/>
               <a:t>22</a:t>
+            </a:fld>
+            <a:endParaRPr lang="en-US"/>
+          </a:p>
+        </p:txBody>
+      </p:sp>
+    </p:spTree>
+    <p:extLst>
+      <p:ext uri="{BB962C8B-B14F-4D97-AF65-F5344CB8AC3E}">
+        <p14:creationId xmlns:p14="http://schemas.microsoft.com/office/powerpoint/2010/main" val="3685669143"/>
+      </p:ext>
+    </p:extLst>
+  </p:cSld>
+  <p:clrMapOvr>
+    <a:masterClrMapping/>
+  </p:clrMapOvr>
+</p:notes>
+</file>
+
+<file path=ppt/notesSlides/notesSlide17.xml><?xml version="1.0" encoding="utf-8"?>
+<p:notes xmlns:a="http://schemas.openxmlformats.org/drawingml/2006/main" xmlns:r="http://schemas.openxmlformats.org/officeDocument/2006/relationships" xmlns:p="http://schemas.openxmlformats.org/presentationml/2006/main">
+  <p:cSld>
+    <p:spTree>
+      <p:nvGrpSpPr>
+        <p:cNvPr id="1" name=""/>
+        <p:cNvGrpSpPr/>
+        <p:nvPr/>
+      </p:nvGrpSpPr>
+      <p:grpSpPr>
+        <a:xfrm>
+          <a:off x="0" y="0"/>
+          <a:ext cx="0" cy="0"/>
+          <a:chOff x="0" y="0"/>
+          <a:chExt cx="0" cy="0"/>
+        </a:xfrm>
+      </p:grpSpPr>
+      <p:sp>
+        <p:nvSpPr>
+          <p:cNvPr id="2" name="Slide Image Placeholder 1"/>
+          <p:cNvSpPr>
+            <a:spLocks noGrp="1" noRot="1" noChangeAspect="1"/>
+          </p:cNvSpPr>
+          <p:nvPr>
+            <p:ph type="sldImg"/>
+          </p:nvPr>
+        </p:nvSpPr>
+        <p:spPr/>
+      </p:sp>
+      <p:sp>
+        <p:nvSpPr>
+          <p:cNvPr id="3" name="Notes Placeholder 2"/>
+          <p:cNvSpPr>
+            <a:spLocks noGrp="1"/>
+          </p:cNvSpPr>
+          <p:nvPr>
+            <p:ph type="body" idx="1"/>
+          </p:nvPr>
+        </p:nvSpPr>
+        <p:spPr/>
+        <p:txBody>
+          <a:bodyPr/>
+          <a:lstStyle/>
+          <a:p>
+            <a:r>
+              <a:rPr lang="en-US" dirty="0"/>
+              <a:t>Change colors. Make bigger and choose one</a:t>
+            </a:r>
+          </a:p>
+        </p:txBody>
+      </p:sp>
+      <p:sp>
+        <p:nvSpPr>
+          <p:cNvPr id="4" name="Slide Number Placeholder 3"/>
+          <p:cNvSpPr>
+            <a:spLocks noGrp="1"/>
+          </p:cNvSpPr>
+          <p:nvPr>
+            <p:ph type="sldNum" sz="quarter" idx="10"/>
+          </p:nvPr>
+        </p:nvSpPr>
+        <p:spPr/>
+        <p:txBody>
+          <a:bodyPr/>
+          <a:lstStyle/>
+          <a:p>
+            <a:fld id="{D6BC3772-6F49-1A46-B21B-9C2E514EC976}" type="slidenum">
+              <a:rPr lang="en-US" smtClean="0"/>
+              <a:t>23</a:t>
+            </a:fld>
+            <a:endParaRPr lang="en-US"/>
+          </a:p>
+        </p:txBody>
+      </p:sp>
+    </p:spTree>
+    <p:extLst>
+      <p:ext uri="{BB962C8B-B14F-4D97-AF65-F5344CB8AC3E}">
+        <p14:creationId xmlns:p14="http://schemas.microsoft.com/office/powerpoint/2010/main" val="3219634728"/>
+      </p:ext>
+    </p:extLst>
+  </p:cSld>
+  <p:clrMapOvr>
+    <a:masterClrMapping/>
+  </p:clrMapOvr>
+</p:notes>
+</file>
+
+<file path=ppt/notesSlides/notesSlide18.xml><?xml version="1.0" encoding="utf-8"?>
+<p:notes xmlns:a="http://schemas.openxmlformats.org/drawingml/2006/main" xmlns:r="http://schemas.openxmlformats.org/officeDocument/2006/relationships" xmlns:p="http://schemas.openxmlformats.org/presentationml/2006/main">
+  <p:cSld>
+    <p:spTree>
+      <p:nvGrpSpPr>
+        <p:cNvPr id="1" name=""/>
+        <p:cNvGrpSpPr/>
+        <p:nvPr/>
+      </p:nvGrpSpPr>
+      <p:grpSpPr>
+        <a:xfrm>
+          <a:off x="0" y="0"/>
+          <a:ext cx="0" cy="0"/>
+          <a:chOff x="0" y="0"/>
+          <a:chExt cx="0" cy="0"/>
+        </a:xfrm>
+      </p:grpSpPr>
+      <p:sp>
+        <p:nvSpPr>
+          <p:cNvPr id="2" name="Slide Image Placeholder 1"/>
+          <p:cNvSpPr>
+            <a:spLocks noGrp="1" noRot="1" noChangeAspect="1"/>
+          </p:cNvSpPr>
+          <p:nvPr>
+            <p:ph type="sldImg"/>
+          </p:nvPr>
+        </p:nvSpPr>
+        <p:spPr/>
+      </p:sp>
+      <p:sp>
+        <p:nvSpPr>
+          <p:cNvPr id="3" name="Notes Placeholder 2"/>
+          <p:cNvSpPr>
+            <a:spLocks noGrp="1"/>
+          </p:cNvSpPr>
+          <p:nvPr>
+            <p:ph type="body" idx="1"/>
+          </p:nvPr>
+        </p:nvSpPr>
+        <p:spPr/>
+        <p:txBody>
+          <a:bodyPr/>
+          <a:lstStyle/>
+          <a:p>
+            <a:pPr marL="0" marR="0" lvl="0" indent="0" algn="l" defTabSz="914400" rtl="0" eaLnBrk="1" fontAlgn="auto" latinLnBrk="0" hangingPunct="1">
+              <a:lnSpc>
+                <a:spcPct val="100000"/>
+              </a:lnSpc>
+              <a:spcBef>
+                <a:spcPts val="0"/>
+              </a:spcBef>
+              <a:spcAft>
+                <a:spcPts val="0"/>
+              </a:spcAft>
+              <a:buClrTx/>
+              <a:buSzTx/>
+              <a:buFontTx/>
+              <a:buNone/>
+              <a:tabLst/>
+              <a:defRPr/>
+            </a:pPr>
+            <a:r>
+              <a:rPr lang="en-US" dirty="0"/>
+              <a:t>Social support + Freedom to make life choices + Life Expectancy + School Life Expectancy + log(GDP per capita) </a:t>
+            </a:r>
+          </a:p>
+          <a:p>
+            <a:endParaRPr lang="en-US" dirty="0"/>
+          </a:p>
+          <a:p>
+            <a:endParaRPr lang="en-US" dirty="0"/>
+          </a:p>
+          <a:p>
+            <a:r>
+              <a:rPr lang="en-US" dirty="0"/>
+              <a:t>Get rid of table and make graph bigger. Flip so names on y axis</a:t>
+            </a:r>
+          </a:p>
+        </p:txBody>
+      </p:sp>
+      <p:sp>
+        <p:nvSpPr>
+          <p:cNvPr id="4" name="Slide Number Placeholder 3"/>
+          <p:cNvSpPr>
+            <a:spLocks noGrp="1"/>
+          </p:cNvSpPr>
+          <p:nvPr>
+            <p:ph type="sldNum" sz="quarter" idx="10"/>
+          </p:nvPr>
+        </p:nvSpPr>
+        <p:spPr/>
+        <p:txBody>
+          <a:bodyPr/>
+          <a:lstStyle/>
+          <a:p>
+            <a:fld id="{D6BC3772-6F49-1A46-B21B-9C2E514EC976}" type="slidenum">
+              <a:rPr lang="en-US" smtClean="0"/>
+              <a:t>24</a:t>
             </a:fld>
             <a:endParaRPr lang="en-US"/>
           </a:p>
@@ -1434,9 +1607,50 @@
           <a:lstStyle/>
           <a:p>
             <a:r>
-              <a:rPr lang="en-US" dirty="0"/>
-              <a:t>Spend more time on slide. Get rid of numbers. Explain colors and examples</a:t>
-            </a:r>
+              <a:rPr lang="en-US" sz="1200" dirty="0">
+                <a:latin typeface="Helvetica Neue Medium" panose="02000503000000020004" pitchFamily="2" charset="0"/>
+                <a:ea typeface="Helvetica Neue Medium" panose="02000503000000020004" pitchFamily="2" charset="0"/>
+                <a:cs typeface="Helvetica Neue Medium" panose="02000503000000020004" pitchFamily="2" charset="0"/>
+              </a:rPr>
+              <a:t>Joined two datasets together on Country name</a:t>
+            </a:r>
+          </a:p>
+          <a:p>
+            <a:endParaRPr lang="en-US" sz="1200" dirty="0">
+              <a:latin typeface="Helvetica Neue Medium" panose="02000503000000020004" pitchFamily="2" charset="0"/>
+              <a:ea typeface="Helvetica Neue Medium" panose="02000503000000020004" pitchFamily="2" charset="0"/>
+              <a:cs typeface="Helvetica Neue Medium" panose="02000503000000020004" pitchFamily="2" charset="0"/>
+            </a:endParaRPr>
+          </a:p>
+          <a:p>
+            <a:r>
+              <a:rPr lang="en-US" sz="1200" dirty="0">
+                <a:latin typeface="Helvetica Neue Medium" panose="02000503000000020004" pitchFamily="2" charset="0"/>
+                <a:ea typeface="Helvetica Neue Medium" panose="02000503000000020004" pitchFamily="2" charset="0"/>
+                <a:cs typeface="Helvetica Neue Medium" panose="02000503000000020004" pitchFamily="2" charset="0"/>
+              </a:rPr>
+              <a:t>Differing Country names</a:t>
+            </a:r>
+          </a:p>
+          <a:p>
+            <a:endParaRPr lang="en-US" sz="1200" dirty="0">
+              <a:latin typeface="Helvetica Neue Medium" panose="02000503000000020004" pitchFamily="2" charset="0"/>
+              <a:ea typeface="Helvetica Neue Medium" panose="02000503000000020004" pitchFamily="2" charset="0"/>
+              <a:cs typeface="Helvetica Neue Medium" panose="02000503000000020004" pitchFamily="2" charset="0"/>
+            </a:endParaRPr>
+          </a:p>
+          <a:p>
+            <a:r>
+              <a:rPr lang="en-US" sz="1200" dirty="0">
+                <a:latin typeface="Helvetica Neue Medium" panose="02000503000000020004" pitchFamily="2" charset="0"/>
+                <a:ea typeface="Helvetica Neue Medium" panose="02000503000000020004" pitchFamily="2" charset="0"/>
+                <a:cs typeface="Helvetica Neue Medium" panose="02000503000000020004" pitchFamily="2" charset="0"/>
+              </a:rPr>
+              <a:t>Missing values</a:t>
+            </a:r>
+          </a:p>
+          <a:p>
+            <a:endParaRPr lang="en-US" dirty="0"/>
           </a:p>
         </p:txBody>
       </p:sp>
@@ -1466,7 +1680,7 @@
     </p:spTree>
     <p:extLst>
       <p:ext uri="{BB962C8B-B14F-4D97-AF65-F5344CB8AC3E}">
-        <p14:creationId xmlns:p14="http://schemas.microsoft.com/office/powerpoint/2010/main" val="2174507104"/>
+        <p14:creationId xmlns:p14="http://schemas.microsoft.com/office/powerpoint/2010/main" val="655896266"/>
       </p:ext>
     </p:extLst>
   </p:cSld>
@@ -1522,7 +1736,17 @@
           <a:p>
             <a:r>
               <a:rPr lang="en-US" dirty="0"/>
-              <a:t>Mention which ones I kept</a:t>
+              <a:t>US: 6.99 #14</a:t>
+            </a:r>
+          </a:p>
+          <a:p>
+            <a:r>
+              <a:rPr lang="en-US" dirty="0" err="1"/>
+              <a:t>Aus</a:t>
+            </a:r>
+            <a:r>
+              <a:rPr lang="en-US" dirty="0"/>
+              <a:t>: 7.28 #9</a:t>
             </a:r>
           </a:p>
         </p:txBody>
@@ -1553,7 +1777,7 @@
     </p:spTree>
     <p:extLst>
       <p:ext uri="{BB962C8B-B14F-4D97-AF65-F5344CB8AC3E}">
-        <p14:creationId xmlns:p14="http://schemas.microsoft.com/office/powerpoint/2010/main" val="4240775486"/>
+        <p14:creationId xmlns:p14="http://schemas.microsoft.com/office/powerpoint/2010/main" val="2989563308"/>
       </p:ext>
     </p:extLst>
   </p:cSld>
@@ -1609,22 +1833,8 @@
           <a:p>
             <a:r>
               <a:rPr lang="en-US" dirty="0"/>
-              <a:t>Social support + Freedom to make life choices + Life Expectancy + School Life Expectancy + log(GDP per capita) </a:t>
-            </a:r>
-          </a:p>
-          <a:p>
-            <a:pPr marL="171450" indent="-171450">
-              <a:buFont typeface="Arial" panose="020B0604020202020204" pitchFamily="34" charset="0"/>
-              <a:buChar char="•"/>
-            </a:pPr>
-            <a:endParaRPr lang="en-US" dirty="0"/>
-          </a:p>
-          <a:p>
-            <a:pPr marL="171450" indent="-171450">
-              <a:buFont typeface="Arial" panose="020B0604020202020204" pitchFamily="34" charset="0"/>
-              <a:buChar char="•"/>
-            </a:pPr>
-            <a:endParaRPr lang="en-US" dirty="0"/>
+              <a:t>Spend more time on slide. Get rid of numbers. Explain colors and examples</a:t>
+            </a:r>
           </a:p>
         </p:txBody>
       </p:sp>
@@ -1654,7 +1864,7 @@
     </p:spTree>
     <p:extLst>
       <p:ext uri="{BB962C8B-B14F-4D97-AF65-F5344CB8AC3E}">
-        <p14:creationId xmlns:p14="http://schemas.microsoft.com/office/powerpoint/2010/main" val="2516117768"/>
+        <p14:creationId xmlns:p14="http://schemas.microsoft.com/office/powerpoint/2010/main" val="2174507104"/>
       </p:ext>
     </p:extLst>
   </p:cSld>
@@ -1710,7 +1920,7 @@
           <a:p>
             <a:r>
               <a:rPr lang="en-US" dirty="0"/>
-              <a:t>Put things I didn’t use in different slides</a:t>
+              <a:t>Mention which ones I kept</a:t>
             </a:r>
           </a:p>
         </p:txBody>
@@ -1741,7 +1951,7 @@
     </p:spTree>
     <p:extLst>
       <p:ext uri="{BB962C8B-B14F-4D97-AF65-F5344CB8AC3E}">
-        <p14:creationId xmlns:p14="http://schemas.microsoft.com/office/powerpoint/2010/main" val="272151866"/>
+        <p14:creationId xmlns:p14="http://schemas.microsoft.com/office/powerpoint/2010/main" val="4240775486"/>
       </p:ext>
     </p:extLst>
   </p:cSld>
@@ -1795,39 +2005,24 @@
           <a:bodyPr/>
           <a:lstStyle/>
           <a:p>
-            <a:pPr marL="0" marR="0" lvl="0" indent="0" algn="l" defTabSz="914400" rtl="0" eaLnBrk="1" fontAlgn="auto" latinLnBrk="0" hangingPunct="1">
-              <a:lnSpc>
-                <a:spcPct val="100000"/>
-              </a:lnSpc>
-              <a:spcBef>
-                <a:spcPts val="0"/>
-              </a:spcBef>
-              <a:spcAft>
-                <a:spcPts val="0"/>
-              </a:spcAft>
-              <a:buClrTx/>
-              <a:buSzTx/>
-              <a:buFontTx/>
-              <a:buNone/>
-              <a:tabLst/>
-              <a:defRPr/>
-            </a:pPr>
             <a:r>
               <a:rPr lang="en-US" dirty="0"/>
               <a:t>Social support + Freedom to make life choices + Life Expectancy + School Life Expectancy + log(GDP per capita) </a:t>
             </a:r>
           </a:p>
           <a:p>
+            <a:pPr marL="171450" indent="-171450">
+              <a:buFont typeface="Arial" panose="020B0604020202020204" pitchFamily="34" charset="0"/>
+              <a:buChar char="•"/>
+            </a:pPr>
             <a:endParaRPr lang="en-US" dirty="0"/>
           </a:p>
           <a:p>
+            <a:pPr marL="171450" indent="-171450">
+              <a:buFont typeface="Arial" panose="020B0604020202020204" pitchFamily="34" charset="0"/>
+              <a:buChar char="•"/>
+            </a:pPr>
             <a:endParaRPr lang="en-US" dirty="0"/>
-          </a:p>
-          <a:p>
-            <a:r>
-              <a:rPr lang="en-US" dirty="0"/>
-              <a:t>Get rid of table and make graph bigger. Flip so names on y axis</a:t>
-            </a:r>
           </a:p>
         </p:txBody>
       </p:sp>
@@ -1857,7 +2052,7 @@
     </p:spTree>
     <p:extLst>
       <p:ext uri="{BB962C8B-B14F-4D97-AF65-F5344CB8AC3E}">
-        <p14:creationId xmlns:p14="http://schemas.microsoft.com/office/powerpoint/2010/main" val="893131335"/>
+        <p14:creationId xmlns:p14="http://schemas.microsoft.com/office/powerpoint/2010/main" val="2516117768"/>
       </p:ext>
     </p:extLst>
   </p:cSld>
@@ -1913,7 +2108,7 @@
           <a:p>
             <a:r>
               <a:rPr lang="en-US" dirty="0"/>
-              <a:t>Change colors. Make bigger and choose one</a:t>
+              <a:t>Put things I didn’t use in different slides</a:t>
             </a:r>
           </a:p>
         </p:txBody>
@@ -1944,7 +2139,7 @@
     </p:spTree>
     <p:extLst>
       <p:ext uri="{BB962C8B-B14F-4D97-AF65-F5344CB8AC3E}">
-        <p14:creationId xmlns:p14="http://schemas.microsoft.com/office/powerpoint/2010/main" val="1596643173"/>
+        <p14:creationId xmlns:p14="http://schemas.microsoft.com/office/powerpoint/2010/main" val="272151866"/>
       </p:ext>
     </p:extLst>
   </p:cSld>
@@ -1998,7 +2193,29 @@
           <a:bodyPr/>
           <a:lstStyle/>
           <a:p>
-            <a:endParaRPr lang="en-US" dirty="0"/>
+            <a:endParaRPr lang="en-US" sz="1200" kern="1200" dirty="0">
+              <a:solidFill>
+                <a:schemeClr val="tx1"/>
+              </a:solidFill>
+              <a:effectLst/>
+              <a:latin typeface="+mn-lt"/>
+              <a:ea typeface="+mn-ea"/>
+              <a:cs typeface="+mn-cs"/>
+            </a:endParaRPr>
+          </a:p>
+          <a:p>
+            <a:r>
+              <a:rPr lang="en-US" sz="1200" kern="1200" dirty="0">
+                <a:solidFill>
+                  <a:schemeClr val="tx1"/>
+                </a:solidFill>
+                <a:effectLst/>
+                <a:latin typeface="+mn-lt"/>
+                <a:ea typeface="+mn-ea"/>
+                <a:cs typeface="+mn-cs"/>
+              </a:rPr>
+              <a:t>100% change in GDP per capita corresponds to 0.25 change in score</a:t>
+            </a:r>
           </a:p>
         </p:txBody>
       </p:sp>
@@ -2019,7 +2236,7 @@
           <a:p>
             <a:fld id="{D6BC3772-6F49-1A46-B21B-9C2E514EC976}" type="slidenum">
               <a:rPr lang="en-US" smtClean="0"/>
-              <a:t>12</a:t>
+              <a:t>11</a:t>
             </a:fld>
             <a:endParaRPr lang="en-US"/>
           </a:p>
@@ -2028,7 +2245,7 @@
     </p:spTree>
     <p:extLst>
       <p:ext uri="{BB962C8B-B14F-4D97-AF65-F5344CB8AC3E}">
-        <p14:creationId xmlns:p14="http://schemas.microsoft.com/office/powerpoint/2010/main" val="565744337"/>
+        <p14:creationId xmlns:p14="http://schemas.microsoft.com/office/powerpoint/2010/main" val="893131335"/>
       </p:ext>
     </p:extLst>
   </p:cSld>
@@ -9062,6 +9279,550 @@
           <p:cNvPr id="2" name="Title 1">
             <a:extLst>
               <a:ext uri="{FF2B5EF4-FFF2-40B4-BE49-F238E27FC236}">
+                <a16:creationId xmlns:a16="http://schemas.microsoft.com/office/drawing/2014/main" id="{CA933C14-7447-CC42-88E9-4D1030C5C784}"/>
+              </a:ext>
+            </a:extLst>
+          </p:cNvPr>
+          <p:cNvSpPr>
+            <a:spLocks noGrp="1"/>
+          </p:cNvSpPr>
+          <p:nvPr>
+            <p:ph type="title"/>
+          </p:nvPr>
+        </p:nvSpPr>
+        <p:spPr>
+          <a:xfrm>
+            <a:off x="972600" y="811716"/>
+            <a:ext cx="10251600" cy="713600"/>
+          </a:xfrm>
+        </p:spPr>
+        <p:txBody>
+          <a:bodyPr/>
+          <a:lstStyle/>
+          <a:p>
+            <a:r>
+              <a:rPr lang="en-US" dirty="0"/>
+              <a:t>Cross Validation and Regularization</a:t>
+            </a:r>
+          </a:p>
+        </p:txBody>
+      </p:sp>
+      <p:sp>
+        <p:nvSpPr>
+          <p:cNvPr id="4" name="Text Placeholder 3">
+            <a:extLst>
+              <a:ext uri="{FF2B5EF4-FFF2-40B4-BE49-F238E27FC236}">
+                <a16:creationId xmlns:a16="http://schemas.microsoft.com/office/drawing/2014/main" id="{D60FE952-16CD-244B-AE11-28D12844930E}"/>
+              </a:ext>
+            </a:extLst>
+          </p:cNvPr>
+          <p:cNvSpPr>
+            <a:spLocks noGrp="1"/>
+          </p:cNvSpPr>
+          <p:nvPr>
+            <p:ph type="body" idx="1"/>
+          </p:nvPr>
+        </p:nvSpPr>
+        <p:spPr>
+          <a:xfrm>
+            <a:off x="972600" y="2768568"/>
+            <a:ext cx="4992265" cy="3014800"/>
+          </a:xfrm>
+        </p:spPr>
+        <p:txBody>
+          <a:bodyPr numCol="1"/>
+          <a:lstStyle/>
+          <a:p>
+            <a:pPr marL="194729" indent="0">
+              <a:buNone/>
+            </a:pPr>
+            <a:r>
+              <a:rPr lang="en-US" sz="1800" u="sng" dirty="0">
+                <a:latin typeface="Helvetica Neue Medium" panose="02000503000000020004" pitchFamily="2" charset="0"/>
+                <a:ea typeface="Helvetica Neue Medium" panose="02000503000000020004" pitchFamily="2" charset="0"/>
+                <a:cs typeface="Helvetica Neue Medium" panose="02000503000000020004" pitchFamily="2" charset="0"/>
+              </a:rPr>
+              <a:t>10-Fold Cross Validation:</a:t>
+            </a:r>
+          </a:p>
+          <a:p>
+            <a:pPr marL="194729" indent="0">
+              <a:buNone/>
+            </a:pPr>
+            <a:endParaRPr lang="en-US" sz="1800" u="sng" dirty="0">
+              <a:latin typeface="Helvetica Neue Medium" panose="02000503000000020004" pitchFamily="2" charset="0"/>
+              <a:ea typeface="Helvetica Neue Medium" panose="02000503000000020004" pitchFamily="2" charset="0"/>
+              <a:cs typeface="Helvetica Neue Medium" panose="02000503000000020004" pitchFamily="2" charset="0"/>
+            </a:endParaRPr>
+          </a:p>
+          <a:p>
+            <a:r>
+              <a:rPr lang="en-US" sz="1800" dirty="0">
+                <a:latin typeface="Helvetica Neue Medium" panose="02000503000000020004" pitchFamily="2" charset="0"/>
+                <a:ea typeface="Helvetica Neue Medium" panose="02000503000000020004" pitchFamily="2" charset="0"/>
+                <a:cs typeface="Helvetica Neue Medium" panose="02000503000000020004" pitchFamily="2" charset="0"/>
+              </a:rPr>
+              <a:t>r</a:t>
+            </a:r>
+            <a:r>
+              <a:rPr lang="en-US" sz="1800" baseline="30000" dirty="0">
+                <a:latin typeface="Helvetica Neue Medium" panose="02000503000000020004" pitchFamily="2" charset="0"/>
+                <a:ea typeface="Helvetica Neue Medium" panose="02000503000000020004" pitchFamily="2" charset="0"/>
+                <a:cs typeface="Helvetica Neue Medium" panose="02000503000000020004" pitchFamily="2" charset="0"/>
+              </a:rPr>
+              <a:t>2</a:t>
+            </a:r>
+            <a:r>
+              <a:rPr lang="en-US" sz="1800" dirty="0">
+                <a:latin typeface="Helvetica Neue Medium" panose="02000503000000020004" pitchFamily="2" charset="0"/>
+                <a:ea typeface="Helvetica Neue Medium" panose="02000503000000020004" pitchFamily="2" charset="0"/>
+                <a:cs typeface="Helvetica Neue Medium" panose="02000503000000020004" pitchFamily="2" charset="0"/>
+              </a:rPr>
+              <a:t> = 0.7371</a:t>
+            </a:r>
+          </a:p>
+          <a:p>
+            <a:r>
+              <a:rPr lang="en-US" sz="1800" dirty="0" err="1">
+                <a:latin typeface="Helvetica Neue Medium" panose="02000503000000020004" pitchFamily="2" charset="0"/>
+                <a:ea typeface="Helvetica Neue Medium" panose="02000503000000020004" pitchFamily="2" charset="0"/>
+                <a:cs typeface="Helvetica Neue Medium" panose="02000503000000020004" pitchFamily="2" charset="0"/>
+              </a:rPr>
+              <a:t>mse</a:t>
+            </a:r>
+            <a:r>
+              <a:rPr lang="en-US" sz="1800" dirty="0">
+                <a:latin typeface="Helvetica Neue Medium" panose="02000503000000020004" pitchFamily="2" charset="0"/>
+                <a:ea typeface="Helvetica Neue Medium" panose="02000503000000020004" pitchFamily="2" charset="0"/>
+                <a:cs typeface="Helvetica Neue Medium" panose="02000503000000020004" pitchFamily="2" charset="0"/>
+              </a:rPr>
+              <a:t> = 0.2430</a:t>
+            </a:r>
+          </a:p>
+          <a:p>
+            <a:endParaRPr lang="en-US" sz="1800" dirty="0">
+              <a:latin typeface="Helvetica Neue Medium" panose="02000503000000020004" pitchFamily="2" charset="0"/>
+              <a:ea typeface="Helvetica Neue Medium" panose="02000503000000020004" pitchFamily="2" charset="0"/>
+              <a:cs typeface="Helvetica Neue Medium" panose="02000503000000020004" pitchFamily="2" charset="0"/>
+            </a:endParaRPr>
+          </a:p>
+        </p:txBody>
+      </p:sp>
+      <p:sp>
+        <p:nvSpPr>
+          <p:cNvPr id="7" name="Rectangle 6">
+            <a:extLst>
+              <a:ext uri="{FF2B5EF4-FFF2-40B4-BE49-F238E27FC236}">
+                <a16:creationId xmlns:a16="http://schemas.microsoft.com/office/drawing/2014/main" id="{58E4F149-4265-9E48-9CA3-FCBBCCFC064F}"/>
+              </a:ext>
+            </a:extLst>
+          </p:cNvPr>
+          <p:cNvSpPr/>
+          <p:nvPr/>
+        </p:nvSpPr>
+        <p:spPr>
+          <a:xfrm>
+            <a:off x="6259033" y="3322161"/>
+            <a:ext cx="2173730" cy="1267796"/>
+          </a:xfrm>
+          <a:prstGeom prst="rect">
+            <a:avLst/>
+          </a:prstGeom>
+          <a:noFill/>
+          <a:ln>
+            <a:solidFill>
+              <a:schemeClr val="tx1"/>
+            </a:solidFill>
+          </a:ln>
+        </p:spPr>
+        <p:style>
+          <a:lnRef idx="2">
+            <a:schemeClr val="accent1">
+              <a:shade val="50000"/>
+            </a:schemeClr>
+          </a:lnRef>
+          <a:fillRef idx="1">
+            <a:schemeClr val="accent1"/>
+          </a:fillRef>
+          <a:effectRef idx="0">
+            <a:schemeClr val="accent1"/>
+          </a:effectRef>
+          <a:fontRef idx="minor">
+            <a:schemeClr val="lt1"/>
+          </a:fontRef>
+        </p:style>
+        <p:txBody>
+          <a:bodyPr rtlCol="0" anchor="ctr"/>
+          <a:lstStyle/>
+          <a:p>
+            <a:pPr algn="ctr"/>
+            <a:endParaRPr lang="en-US"/>
+          </a:p>
+        </p:txBody>
+      </p:sp>
+      <p:sp>
+        <p:nvSpPr>
+          <p:cNvPr id="9" name="Rectangle 8">
+            <a:extLst>
+              <a:ext uri="{FF2B5EF4-FFF2-40B4-BE49-F238E27FC236}">
+                <a16:creationId xmlns:a16="http://schemas.microsoft.com/office/drawing/2014/main" id="{EB998C3F-F713-674B-B90A-69866CC5E4BD}"/>
+              </a:ext>
+            </a:extLst>
+          </p:cNvPr>
+          <p:cNvSpPr/>
+          <p:nvPr/>
+        </p:nvSpPr>
+        <p:spPr>
+          <a:xfrm>
+            <a:off x="6259033" y="2835631"/>
+            <a:ext cx="4586177" cy="1846659"/>
+          </a:xfrm>
+          <a:prstGeom prst="rect">
+            <a:avLst/>
+          </a:prstGeom>
+        </p:spPr>
+        <p:txBody>
+          <a:bodyPr wrap="square">
+            <a:spAutoFit/>
+          </a:bodyPr>
+          <a:lstStyle/>
+          <a:p>
+            <a:pPr marL="194729" indent="0">
+              <a:buNone/>
+            </a:pPr>
+            <a:r>
+              <a:rPr lang="en-US" u="sng" dirty="0">
+                <a:solidFill>
+                  <a:schemeClr val="accent1"/>
+                </a:solidFill>
+                <a:latin typeface="Helvetica Neue Medium" panose="02000503000000020004" pitchFamily="2" charset="0"/>
+                <a:ea typeface="Helvetica Neue Medium" panose="02000503000000020004" pitchFamily="2" charset="0"/>
+                <a:cs typeface="Helvetica Neue Medium" panose="02000503000000020004" pitchFamily="2" charset="0"/>
+              </a:rPr>
+              <a:t>Cross Validated </a:t>
+            </a:r>
+            <a:r>
+              <a:rPr lang="en-US" i="1" u="sng" dirty="0">
+                <a:solidFill>
+                  <a:schemeClr val="accent1"/>
+                </a:solidFill>
+                <a:latin typeface="Helvetica Neue Medium" panose="02000503000000020004" pitchFamily="2" charset="0"/>
+                <a:ea typeface="Helvetica Neue Medium" panose="02000503000000020004" pitchFamily="2" charset="0"/>
+                <a:cs typeface="Helvetica Neue Medium" panose="02000503000000020004" pitchFamily="2" charset="0"/>
+              </a:rPr>
+              <a:t>and</a:t>
+            </a:r>
+            <a:r>
+              <a:rPr lang="en-US" u="sng" dirty="0">
+                <a:solidFill>
+                  <a:schemeClr val="accent1"/>
+                </a:solidFill>
+                <a:latin typeface="Helvetica Neue Medium" panose="02000503000000020004" pitchFamily="2" charset="0"/>
+                <a:ea typeface="Helvetica Neue Medium" panose="02000503000000020004" pitchFamily="2" charset="0"/>
+                <a:cs typeface="Helvetica Neue Medium" panose="02000503000000020004" pitchFamily="2" charset="0"/>
+              </a:rPr>
+              <a:t> Regularized:</a:t>
+            </a:r>
+          </a:p>
+          <a:p>
+            <a:pPr marL="194729" indent="0">
+              <a:buNone/>
+            </a:pPr>
+            <a:endParaRPr lang="en-US" u="sng" dirty="0">
+              <a:solidFill>
+                <a:schemeClr val="accent1"/>
+              </a:solidFill>
+              <a:latin typeface="Helvetica Neue Medium" panose="02000503000000020004" pitchFamily="2" charset="0"/>
+              <a:ea typeface="Helvetica Neue Medium" panose="02000503000000020004" pitchFamily="2" charset="0"/>
+              <a:cs typeface="Helvetica Neue Medium" panose="02000503000000020004" pitchFamily="2" charset="0"/>
+            </a:endParaRPr>
+          </a:p>
+          <a:p>
+            <a:pPr marL="194729" indent="0">
+              <a:buNone/>
+            </a:pPr>
+            <a:r>
+              <a:rPr lang="en-US" u="sng" dirty="0" err="1">
+                <a:solidFill>
+                  <a:schemeClr val="accent1"/>
+                </a:solidFill>
+                <a:latin typeface="Helvetica Neue Medium" panose="02000503000000020004" pitchFamily="2" charset="0"/>
+                <a:ea typeface="Helvetica Neue Medium" panose="02000503000000020004" pitchFamily="2" charset="0"/>
+                <a:cs typeface="Helvetica Neue Medium" panose="02000503000000020004" pitchFamily="2" charset="0"/>
+              </a:rPr>
+              <a:t>RidgeCV</a:t>
+            </a:r>
+            <a:r>
+              <a:rPr lang="en-US" u="sng" dirty="0">
+                <a:solidFill>
+                  <a:schemeClr val="accent1"/>
+                </a:solidFill>
+                <a:latin typeface="Helvetica Neue Medium" panose="02000503000000020004" pitchFamily="2" charset="0"/>
+                <a:ea typeface="Helvetica Neue Medium" panose="02000503000000020004" pitchFamily="2" charset="0"/>
+                <a:cs typeface="Helvetica Neue Medium" panose="02000503000000020004" pitchFamily="2" charset="0"/>
+              </a:rPr>
+              <a:t>:</a:t>
+            </a:r>
+          </a:p>
+          <a:p>
+            <a:pPr marL="285750" indent="-285750">
+              <a:buFont typeface="Arial" panose="020B0604020202020204" pitchFamily="34" charset="0"/>
+              <a:buChar char="•"/>
+            </a:pPr>
+            <a:r>
+              <a:rPr lang="en-US" dirty="0">
+                <a:solidFill>
+                  <a:schemeClr val="accent1"/>
+                </a:solidFill>
+                <a:latin typeface="Helvetica Neue Medium" panose="02000503000000020004" pitchFamily="2" charset="0"/>
+                <a:ea typeface="Helvetica Neue Medium" panose="02000503000000020004" pitchFamily="2" charset="0"/>
+                <a:cs typeface="Helvetica Neue Medium" panose="02000503000000020004" pitchFamily="2" charset="0"/>
+              </a:rPr>
+              <a:t>r</a:t>
+            </a:r>
+            <a:r>
+              <a:rPr lang="en-US" baseline="30000" dirty="0">
+                <a:solidFill>
+                  <a:schemeClr val="accent1"/>
+                </a:solidFill>
+                <a:latin typeface="Helvetica Neue Medium" panose="02000503000000020004" pitchFamily="2" charset="0"/>
+                <a:ea typeface="Helvetica Neue Medium" panose="02000503000000020004" pitchFamily="2" charset="0"/>
+                <a:cs typeface="Helvetica Neue Medium" panose="02000503000000020004" pitchFamily="2" charset="0"/>
+              </a:rPr>
+              <a:t>2</a:t>
+            </a:r>
+            <a:r>
+              <a:rPr lang="en-US" dirty="0">
+                <a:solidFill>
+                  <a:schemeClr val="accent1"/>
+                </a:solidFill>
+                <a:latin typeface="Helvetica Neue Medium" panose="02000503000000020004" pitchFamily="2" charset="0"/>
+                <a:ea typeface="Helvetica Neue Medium" panose="02000503000000020004" pitchFamily="2" charset="0"/>
+                <a:cs typeface="Helvetica Neue Medium" panose="02000503000000020004" pitchFamily="2" charset="0"/>
+              </a:rPr>
+              <a:t> = 0.8005</a:t>
+            </a:r>
+          </a:p>
+          <a:p>
+            <a:pPr marL="285750" indent="-285750">
+              <a:buFont typeface="Arial" panose="020B0604020202020204" pitchFamily="34" charset="0"/>
+              <a:buChar char="•"/>
+            </a:pPr>
+            <a:r>
+              <a:rPr lang="en-US" dirty="0" err="1">
+                <a:solidFill>
+                  <a:schemeClr val="accent1"/>
+                </a:solidFill>
+                <a:latin typeface="Helvetica Neue Medium" panose="02000503000000020004" pitchFamily="2" charset="0"/>
+                <a:ea typeface="Helvetica Neue Medium" panose="02000503000000020004" pitchFamily="2" charset="0"/>
+                <a:cs typeface="Helvetica Neue Medium" panose="02000503000000020004" pitchFamily="2" charset="0"/>
+              </a:rPr>
+              <a:t>mse</a:t>
+            </a:r>
+            <a:r>
+              <a:rPr lang="en-US" dirty="0">
+                <a:solidFill>
+                  <a:schemeClr val="accent1"/>
+                </a:solidFill>
+                <a:latin typeface="Helvetica Neue Medium" panose="02000503000000020004" pitchFamily="2" charset="0"/>
+                <a:ea typeface="Helvetica Neue Medium" panose="02000503000000020004" pitchFamily="2" charset="0"/>
+                <a:cs typeface="Helvetica Neue Medium" panose="02000503000000020004" pitchFamily="2" charset="0"/>
+              </a:rPr>
+              <a:t> = 0.2780</a:t>
+            </a:r>
+          </a:p>
+          <a:p>
+            <a:pPr marL="285750" indent="-285750">
+              <a:buFont typeface="Arial" panose="020B0604020202020204" pitchFamily="34" charset="0"/>
+              <a:buChar char="•"/>
+            </a:pPr>
+            <a:r>
+              <a:rPr lang="en-US" sz="2000" dirty="0">
+                <a:solidFill>
+                  <a:schemeClr val="accent1"/>
+                </a:solidFill>
+                <a:latin typeface="+mj-lt"/>
+                <a:ea typeface="Helvetica Neue Medium" panose="02000503000000020004" pitchFamily="2" charset="0"/>
+                <a:cs typeface="Helvetica Neue Medium" panose="02000503000000020004" pitchFamily="2" charset="0"/>
+              </a:rPr>
+              <a:t>α</a:t>
+            </a:r>
+            <a:r>
+              <a:rPr lang="en-US" dirty="0">
+                <a:solidFill>
+                  <a:schemeClr val="accent1"/>
+                </a:solidFill>
+                <a:latin typeface="Helvetica Neue Medium" panose="02000503000000020004" pitchFamily="2" charset="0"/>
+                <a:ea typeface="Helvetica Neue Medium" panose="02000503000000020004" pitchFamily="2" charset="0"/>
+                <a:cs typeface="Helvetica Neue Medium" panose="02000503000000020004" pitchFamily="2" charset="0"/>
+              </a:rPr>
+              <a:t> = 0.001</a:t>
+            </a:r>
+          </a:p>
+        </p:txBody>
+      </p:sp>
+      <p:pic>
+        <p:nvPicPr>
+          <p:cNvPr id="11" name="Picture 10">
+            <a:extLst>
+              <a:ext uri="{FF2B5EF4-FFF2-40B4-BE49-F238E27FC236}">
+                <a16:creationId xmlns:a16="http://schemas.microsoft.com/office/drawing/2014/main" id="{2A31B8D7-F7D1-2B49-9466-67528EDD9866}"/>
+              </a:ext>
+            </a:extLst>
+          </p:cNvPr>
+          <p:cNvPicPr>
+            <a:picLocks noChangeAspect="1"/>
+          </p:cNvPicPr>
+          <p:nvPr/>
+        </p:nvPicPr>
+        <p:blipFill>
+          <a:blip r:embed="rId3"/>
+          <a:stretch>
+            <a:fillRect/>
+          </a:stretch>
+        </p:blipFill>
+        <p:spPr>
+          <a:xfrm>
+            <a:off x="6119665" y="5076487"/>
+            <a:ext cx="5151031" cy="1039487"/>
+          </a:xfrm>
+          <a:prstGeom prst="rect">
+            <a:avLst/>
+          </a:prstGeom>
+        </p:spPr>
+      </p:pic>
+    </p:spTree>
+    <p:extLst>
+      <p:ext uri="{BB962C8B-B14F-4D97-AF65-F5344CB8AC3E}">
+        <p14:creationId xmlns:p14="http://schemas.microsoft.com/office/powerpoint/2010/main" val="4241566492"/>
+      </p:ext>
+    </p:extLst>
+  </p:cSld>
+  <p:clrMapOvr>
+    <a:masterClrMapping/>
+  </p:clrMapOvr>
+</p:sld>
+</file>
+
+<file path=ppt/slides/slide11.xml><?xml version="1.0" encoding="utf-8"?>
+<p:sld xmlns:a="http://schemas.openxmlformats.org/drawingml/2006/main" xmlns:r="http://schemas.openxmlformats.org/officeDocument/2006/relationships" xmlns:p="http://schemas.openxmlformats.org/presentationml/2006/main">
+  <p:cSld>
+    <p:spTree>
+      <p:nvGrpSpPr>
+        <p:cNvPr id="1" name=""/>
+        <p:cNvGrpSpPr/>
+        <p:nvPr/>
+      </p:nvGrpSpPr>
+      <p:grpSpPr>
+        <a:xfrm>
+          <a:off x="0" y="0"/>
+          <a:ext cx="0" cy="0"/>
+          <a:chOff x="0" y="0"/>
+          <a:chExt cx="0" cy="0"/>
+        </a:xfrm>
+      </p:grpSpPr>
+      <p:sp>
+        <p:nvSpPr>
+          <p:cNvPr id="2" name="Title 1">
+            <a:extLst>
+              <a:ext uri="{FF2B5EF4-FFF2-40B4-BE49-F238E27FC236}">
+                <a16:creationId xmlns:a16="http://schemas.microsoft.com/office/drawing/2014/main" id="{05E690AE-7798-5E44-B0A7-C40DC7AC27D3}"/>
+              </a:ext>
+            </a:extLst>
+          </p:cNvPr>
+          <p:cNvSpPr>
+            <a:spLocks noGrp="1"/>
+          </p:cNvSpPr>
+          <p:nvPr>
+            <p:ph type="title"/>
+          </p:nvPr>
+        </p:nvSpPr>
+        <p:spPr>
+          <a:xfrm>
+            <a:off x="972600" y="814303"/>
+            <a:ext cx="10251600" cy="713600"/>
+          </a:xfrm>
+        </p:spPr>
+        <p:txBody>
+          <a:bodyPr/>
+          <a:lstStyle/>
+          <a:p>
+            <a:r>
+              <a:rPr lang="en-US" b="0" dirty="0">
+                <a:latin typeface="Helvetica Neue Medium" panose="02000503000000020004" pitchFamily="2" charset="0"/>
+                <a:ea typeface="Helvetica Neue Medium" panose="02000503000000020004" pitchFamily="2" charset="0"/>
+                <a:cs typeface="Helvetica Neue Medium" panose="02000503000000020004" pitchFamily="2" charset="0"/>
+              </a:rPr>
+              <a:t>Coefficients</a:t>
+            </a:r>
+          </a:p>
+        </p:txBody>
+      </p:sp>
+      <p:pic>
+        <p:nvPicPr>
+          <p:cNvPr id="5" name="Picture 4">
+            <a:extLst>
+              <a:ext uri="{FF2B5EF4-FFF2-40B4-BE49-F238E27FC236}">
+                <a16:creationId xmlns:a16="http://schemas.microsoft.com/office/drawing/2014/main" id="{4453B43D-2249-3D4C-BB7E-ABD542D377D7}"/>
+              </a:ext>
+            </a:extLst>
+          </p:cNvPr>
+          <p:cNvPicPr>
+            <a:picLocks noChangeAspect="1"/>
+          </p:cNvPicPr>
+          <p:nvPr/>
+        </p:nvPicPr>
+        <p:blipFill>
+          <a:blip r:embed="rId3"/>
+          <a:stretch>
+            <a:fillRect/>
+          </a:stretch>
+        </p:blipFill>
+        <p:spPr>
+          <a:xfrm>
+            <a:off x="2025384" y="1717554"/>
+            <a:ext cx="6161686" cy="4484456"/>
+          </a:xfrm>
+          <a:prstGeom prst="rect">
+            <a:avLst/>
+          </a:prstGeom>
+        </p:spPr>
+      </p:pic>
+    </p:spTree>
+    <p:extLst>
+      <p:ext uri="{BB962C8B-B14F-4D97-AF65-F5344CB8AC3E}">
+        <p14:creationId xmlns:p14="http://schemas.microsoft.com/office/powerpoint/2010/main" val="3477691884"/>
+      </p:ext>
+    </p:extLst>
+  </p:cSld>
+  <p:clrMapOvr>
+    <a:masterClrMapping/>
+  </p:clrMapOvr>
+</p:sld>
+</file>
+
+<file path=ppt/slides/slide12.xml><?xml version="1.0" encoding="utf-8"?>
+<p:sld xmlns:a="http://schemas.openxmlformats.org/drawingml/2006/main" xmlns:r="http://schemas.openxmlformats.org/officeDocument/2006/relationships" xmlns:p="http://schemas.openxmlformats.org/presentationml/2006/main">
+  <p:cSld>
+    <p:spTree>
+      <p:nvGrpSpPr>
+        <p:cNvPr id="1" name=""/>
+        <p:cNvGrpSpPr/>
+        <p:nvPr/>
+      </p:nvGrpSpPr>
+      <p:grpSpPr>
+        <a:xfrm>
+          <a:off x="0" y="0"/>
+          <a:ext cx="0" cy="0"/>
+          <a:chOff x="0" y="0"/>
+          <a:chExt cx="0" cy="0"/>
+        </a:xfrm>
+      </p:grpSpPr>
+      <p:sp>
+        <p:nvSpPr>
+          <p:cNvPr id="2" name="Title 1">
+            <a:extLst>
+              <a:ext uri="{FF2B5EF4-FFF2-40B4-BE49-F238E27FC236}">
                 <a16:creationId xmlns:a16="http://schemas.microsoft.com/office/drawing/2014/main" id="{6BE0014F-18DB-7E4A-A624-AE9A68B23A26}"/>
               </a:ext>
             </a:extLst>
@@ -9141,7 +9902,7 @@
 </p:sld>
 </file>
 
-<file path=ppt/slides/slide11.xml><?xml version="1.0" encoding="utf-8"?>
+<file path=ppt/slides/slide13.xml><?xml version="1.0" encoding="utf-8"?>
 <p:sld xmlns:a="http://schemas.openxmlformats.org/drawingml/2006/main" xmlns:r="http://schemas.openxmlformats.org/officeDocument/2006/relationships" xmlns:p="http://schemas.openxmlformats.org/presentationml/2006/main">
   <p:cSld>
     <p:spTree>
@@ -9306,7 +10067,7 @@
 </p:sld>
 </file>
 
-<file path=ppt/slides/slide12.xml><?xml version="1.0" encoding="utf-8"?>
+<file path=ppt/slides/slide14.xml><?xml version="1.0" encoding="utf-8"?>
 <p:sld xmlns:a="http://schemas.openxmlformats.org/drawingml/2006/main" xmlns:r="http://schemas.openxmlformats.org/officeDocument/2006/relationships" xmlns:p="http://schemas.openxmlformats.org/presentationml/2006/main">
   <p:cSld>
     <p:spTree>
@@ -9386,13 +10147,16 @@
           <a:bodyPr/>
           <a:lstStyle/>
           <a:p>
+            <a:pPr marL="194729" indent="0">
+              <a:buNone/>
+            </a:pPr>
             <a:r>
               <a:rPr lang="en-US" sz="2000" dirty="0">
                 <a:latin typeface="Helvetica Neue Medium" panose="02000503000000020004" pitchFamily="2" charset="0"/>
                 <a:ea typeface="Helvetica Neue Medium" panose="02000503000000020004" pitchFamily="2" charset="0"/>
                 <a:cs typeface="Helvetica Neue Medium" panose="02000503000000020004" pitchFamily="2" charset="0"/>
               </a:rPr>
-              <a:t>Feature set reduced to:</a:t>
+              <a:t>Key features:</a:t>
             </a:r>
           </a:p>
           <a:p>
@@ -9523,7 +10287,7 @@
                   <a:schemeClr val="accent2"/>
                 </a:solidFill>
               </a:rPr>
-              <a:t>Average Happiness</a:t>
+              <a:t>Happiness</a:t>
             </a:r>
           </a:p>
           <a:p>
@@ -9552,7 +10316,7 @@
 </p:sld>
 </file>
 
-<file path=ppt/slides/slide13.xml><?xml version="1.0" encoding="utf-8"?>
+<file path=ppt/slides/slide15.xml><?xml version="1.0" encoding="utf-8"?>
 <p:sld xmlns:a="http://schemas.openxmlformats.org/drawingml/2006/main" xmlns:r="http://schemas.openxmlformats.org/officeDocument/2006/relationships" xmlns:p="http://schemas.openxmlformats.org/presentationml/2006/main">
   <p:cSld>
     <p:spTree>
@@ -9704,7 +10468,7 @@
 </p:sld>
 </file>
 
-<file path=ppt/slides/slide14.xml><?xml version="1.0" encoding="utf-8"?>
+<file path=ppt/slides/slide16.xml><?xml version="1.0" encoding="utf-8"?>
 <p:sld xmlns:a="http://schemas.openxmlformats.org/drawingml/2006/main" xmlns:r="http://schemas.openxmlformats.org/officeDocument/2006/relationships" xmlns:p="http://schemas.openxmlformats.org/presentationml/2006/main">
   <p:cSld>
     <p:spTree>
@@ -9791,7 +10555,7 @@
 </p:sld>
 </file>
 
-<file path=ppt/slides/slide15.xml><?xml version="1.0" encoding="utf-8"?>
+<file path=ppt/slides/slide17.xml><?xml version="1.0" encoding="utf-8"?>
 <p:sld xmlns:a="http://schemas.openxmlformats.org/drawingml/2006/main" xmlns:r="http://schemas.openxmlformats.org/officeDocument/2006/relationships" xmlns:p="http://schemas.openxmlformats.org/presentationml/2006/main">
   <p:cSld>
     <p:spTree>
@@ -9849,7 +10613,7 @@
 </p:sld>
 </file>
 
-<file path=ppt/slides/slide16.xml><?xml version="1.0" encoding="utf-8"?>
+<file path=ppt/slides/slide18.xml><?xml version="1.0" encoding="utf-8"?>
 <p:sld xmlns:a="http://schemas.openxmlformats.org/drawingml/2006/main" xmlns:r="http://schemas.openxmlformats.org/officeDocument/2006/relationships" xmlns:p="http://schemas.openxmlformats.org/presentationml/2006/main">
   <p:cSld>
     <p:spTree>
@@ -10347,7 +11111,7 @@
 </p:sld>
 </file>
 
-<file path=ppt/slides/slide17.xml><?xml version="1.0" encoding="utf-8"?>
+<file path=ppt/slides/slide19.xml><?xml version="1.0" encoding="utf-8"?>
 <p:sld xmlns:a="http://schemas.openxmlformats.org/drawingml/2006/main" xmlns:r="http://schemas.openxmlformats.org/officeDocument/2006/relationships" xmlns:p="http://schemas.openxmlformats.org/presentationml/2006/main">
   <p:cSld>
     <p:spTree>
@@ -10574,7 +11338,132 @@
 </p:sld>
 </file>
 
-<file path=ppt/slides/slide18.xml><?xml version="1.0" encoding="utf-8"?>
+<file path=ppt/slides/slide2.xml><?xml version="1.0" encoding="utf-8"?>
+<p:sld xmlns:a="http://schemas.openxmlformats.org/drawingml/2006/main" xmlns:r="http://schemas.openxmlformats.org/officeDocument/2006/relationships" xmlns:p="http://schemas.openxmlformats.org/presentationml/2006/main">
+  <p:cSld>
+    <p:spTree>
+      <p:nvGrpSpPr>
+        <p:cNvPr id="1" name=""/>
+        <p:cNvGrpSpPr/>
+        <p:nvPr/>
+      </p:nvGrpSpPr>
+      <p:grpSpPr>
+        <a:xfrm>
+          <a:off x="0" y="0"/>
+          <a:ext cx="0" cy="0"/>
+          <a:chOff x="0" y="0"/>
+          <a:chExt cx="0" cy="0"/>
+        </a:xfrm>
+      </p:grpSpPr>
+      <p:sp>
+        <p:nvSpPr>
+          <p:cNvPr id="2" name="Title 1">
+            <a:extLst>
+              <a:ext uri="{FF2B5EF4-FFF2-40B4-BE49-F238E27FC236}">
+                <a16:creationId xmlns:a16="http://schemas.microsoft.com/office/drawing/2014/main" id="{B06E74D9-FF09-FD4D-8AAE-B55188E5F20A}"/>
+              </a:ext>
+            </a:extLst>
+          </p:cNvPr>
+          <p:cNvSpPr>
+            <a:spLocks noGrp="1"/>
+          </p:cNvSpPr>
+          <p:nvPr>
+            <p:ph type="title"/>
+          </p:nvPr>
+        </p:nvSpPr>
+        <p:spPr>
+          <a:xfrm>
+            <a:off x="972600" y="811715"/>
+            <a:ext cx="10251600" cy="713600"/>
+          </a:xfrm>
+        </p:spPr>
+        <p:txBody>
+          <a:bodyPr/>
+          <a:lstStyle/>
+          <a:p>
+            <a:r>
+              <a:rPr lang="en-US" b="0" dirty="0">
+                <a:latin typeface="Helvetica Neue Medium" panose="02000503000000020004" pitchFamily="2" charset="0"/>
+                <a:ea typeface="Helvetica Neue Medium" panose="02000503000000020004" pitchFamily="2" charset="0"/>
+                <a:cs typeface="Helvetica Neue Medium" panose="02000503000000020004" pitchFamily="2" charset="0"/>
+              </a:rPr>
+              <a:t>Question</a:t>
+            </a:r>
+          </a:p>
+        </p:txBody>
+      </p:sp>
+      <p:sp>
+        <p:nvSpPr>
+          <p:cNvPr id="3" name="Content Placeholder 2">
+            <a:extLst>
+              <a:ext uri="{FF2B5EF4-FFF2-40B4-BE49-F238E27FC236}">
+                <a16:creationId xmlns:a16="http://schemas.microsoft.com/office/drawing/2014/main" id="{FCFFC251-C763-CB46-95C1-563F8B6BFFAE}"/>
+              </a:ext>
+            </a:extLst>
+          </p:cNvPr>
+          <p:cNvSpPr>
+            <a:spLocks noGrp="1"/>
+          </p:cNvSpPr>
+          <p:nvPr>
+            <p:ph type="body" idx="1"/>
+          </p:nvPr>
+        </p:nvSpPr>
+        <p:spPr/>
+        <p:txBody>
+          <a:bodyPr/>
+          <a:lstStyle/>
+          <a:p>
+            <a:pPr marL="0" indent="0">
+              <a:buNone/>
+            </a:pPr>
+            <a:r>
+              <a:rPr lang="en-US" sz="2000" dirty="0">
+                <a:latin typeface="Helvetica Neue Medium" panose="02000503000000020004" pitchFamily="2" charset="0"/>
+                <a:ea typeface="Helvetica Neue Medium" panose="02000503000000020004" pitchFamily="2" charset="0"/>
+                <a:cs typeface="Helvetica Neue Medium" panose="02000503000000020004" pitchFamily="2" charset="0"/>
+              </a:rPr>
+              <a:t>‘What qualities impact a country’s average level of happiness?’</a:t>
+            </a:r>
+          </a:p>
+          <a:p>
+            <a:pPr marL="0" indent="0">
+              <a:buNone/>
+            </a:pPr>
+            <a:endParaRPr lang="en-US" sz="2000" dirty="0">
+              <a:latin typeface="Helvetica Neue Medium" panose="02000503000000020004" pitchFamily="2" charset="0"/>
+              <a:ea typeface="Helvetica Neue Medium" panose="02000503000000020004" pitchFamily="2" charset="0"/>
+              <a:cs typeface="Helvetica Neue Medium" panose="02000503000000020004" pitchFamily="2" charset="0"/>
+            </a:endParaRPr>
+          </a:p>
+          <a:p>
+            <a:pPr marL="0" indent="0">
+              <a:buNone/>
+            </a:pPr>
+            <a:r>
+              <a:rPr lang="en-US" sz="2000" dirty="0">
+                <a:latin typeface="Helvetica Neue Medium" panose="02000503000000020004" pitchFamily="2" charset="0"/>
+                <a:ea typeface="Helvetica Neue Medium" panose="02000503000000020004" pitchFamily="2" charset="0"/>
+                <a:cs typeface="Helvetica Neue Medium" panose="02000503000000020004" pitchFamily="2" charset="0"/>
+              </a:rPr>
+              <a:t>UN’s World Happiness Report, 2017</a:t>
+            </a:r>
+          </a:p>
+        </p:txBody>
+      </p:sp>
+    </p:spTree>
+    <p:extLst>
+      <p:ext uri="{BB962C8B-B14F-4D97-AF65-F5344CB8AC3E}">
+        <p14:creationId xmlns:p14="http://schemas.microsoft.com/office/powerpoint/2010/main" val="4219238229"/>
+      </p:ext>
+    </p:extLst>
+  </p:cSld>
+  <p:clrMapOvr>
+    <a:masterClrMapping/>
+  </p:clrMapOvr>
+</p:sld>
+</file>
+
+<file path=ppt/slides/slide20.xml><?xml version="1.0" encoding="utf-8"?>
 <p:sld xmlns:a="http://schemas.openxmlformats.org/drawingml/2006/main" xmlns:r="http://schemas.openxmlformats.org/officeDocument/2006/relationships" xmlns:p="http://schemas.openxmlformats.org/presentationml/2006/main">
   <p:cSld>
     <p:spTree>
@@ -10698,7 +11587,7 @@
         </p:nvSpPr>
         <p:spPr>
           <a:xfrm>
-            <a:off x="3074307" y="1746946"/>
+            <a:off x="3074307" y="1760785"/>
             <a:ext cx="1757854" cy="369332"/>
           </a:xfrm>
           <a:prstGeom prst="rect">
@@ -10713,7 +11602,11 @@
           <a:lstStyle/>
           <a:p>
             <a:r>
-              <a:rPr lang="en-US" dirty="0"/>
+              <a:rPr lang="en-US" dirty="0">
+                <a:solidFill>
+                  <a:schemeClr val="accent1"/>
+                </a:solidFill>
+              </a:rPr>
               <a:t>GDP per capita</a:t>
             </a:r>
           </a:p>
@@ -10733,7 +11626,7 @@
         </p:nvSpPr>
         <p:spPr>
           <a:xfrm>
-            <a:off x="8032605" y="1746946"/>
+            <a:off x="7763300" y="1760785"/>
             <a:ext cx="2296463" cy="369332"/>
           </a:xfrm>
           <a:prstGeom prst="rect">
@@ -10748,7 +11641,11 @@
           <a:lstStyle/>
           <a:p>
             <a:r>
-              <a:rPr lang="en-US" dirty="0"/>
+              <a:rPr lang="en-US" dirty="0">
+                <a:solidFill>
+                  <a:schemeClr val="accent1"/>
+                </a:solidFill>
+              </a:rPr>
               <a:t>Log(GDP per capita)</a:t>
             </a:r>
           </a:p>
@@ -10767,7 +11664,7 @@
 </p:sld>
 </file>
 
-<file path=ppt/slides/slide19.xml><?xml version="1.0" encoding="utf-8"?>
+<file path=ppt/slides/slide21.xml><?xml version="1.0" encoding="utf-8"?>
 <p:sld xmlns:a="http://schemas.openxmlformats.org/drawingml/2006/main" xmlns:r="http://schemas.openxmlformats.org/officeDocument/2006/relationships" xmlns:p="http://schemas.openxmlformats.org/presentationml/2006/main">
   <p:cSld>
     <p:spTree>
@@ -12539,162 +13436,7 @@
 </p:sld>
 </file>
 
-<file path=ppt/slides/slide2.xml><?xml version="1.0" encoding="utf-8"?>
-<p:sld xmlns:a="http://schemas.openxmlformats.org/drawingml/2006/main" xmlns:r="http://schemas.openxmlformats.org/officeDocument/2006/relationships" xmlns:p="http://schemas.openxmlformats.org/presentationml/2006/main">
-  <p:cSld>
-    <p:spTree>
-      <p:nvGrpSpPr>
-        <p:cNvPr id="1" name=""/>
-        <p:cNvGrpSpPr/>
-        <p:nvPr/>
-      </p:nvGrpSpPr>
-      <p:grpSpPr>
-        <a:xfrm>
-          <a:off x="0" y="0"/>
-          <a:ext cx="0" cy="0"/>
-          <a:chOff x="0" y="0"/>
-          <a:chExt cx="0" cy="0"/>
-        </a:xfrm>
-      </p:grpSpPr>
-      <p:sp>
-        <p:nvSpPr>
-          <p:cNvPr id="2" name="Title 1">
-            <a:extLst>
-              <a:ext uri="{FF2B5EF4-FFF2-40B4-BE49-F238E27FC236}">
-                <a16:creationId xmlns:a16="http://schemas.microsoft.com/office/drawing/2014/main" id="{B06E74D9-FF09-FD4D-8AAE-B55188E5F20A}"/>
-              </a:ext>
-            </a:extLst>
-          </p:cNvPr>
-          <p:cNvSpPr>
-            <a:spLocks noGrp="1"/>
-          </p:cNvSpPr>
-          <p:nvPr>
-            <p:ph type="title"/>
-          </p:nvPr>
-        </p:nvSpPr>
-        <p:spPr>
-          <a:xfrm>
-            <a:off x="972600" y="811715"/>
-            <a:ext cx="10251600" cy="713600"/>
-          </a:xfrm>
-        </p:spPr>
-        <p:txBody>
-          <a:bodyPr/>
-          <a:lstStyle/>
-          <a:p>
-            <a:r>
-              <a:rPr lang="en-US" b="0" dirty="0">
-                <a:latin typeface="Helvetica Neue Medium" panose="02000503000000020004" pitchFamily="2" charset="0"/>
-                <a:ea typeface="Helvetica Neue Medium" panose="02000503000000020004" pitchFamily="2" charset="0"/>
-                <a:cs typeface="Helvetica Neue Medium" panose="02000503000000020004" pitchFamily="2" charset="0"/>
-              </a:rPr>
-              <a:t>Question</a:t>
-            </a:r>
-          </a:p>
-        </p:txBody>
-      </p:sp>
-      <p:sp>
-        <p:nvSpPr>
-          <p:cNvPr id="3" name="Content Placeholder 2">
-            <a:extLst>
-              <a:ext uri="{FF2B5EF4-FFF2-40B4-BE49-F238E27FC236}">
-                <a16:creationId xmlns:a16="http://schemas.microsoft.com/office/drawing/2014/main" id="{FCFFC251-C763-CB46-95C1-563F8B6BFFAE}"/>
-              </a:ext>
-            </a:extLst>
-          </p:cNvPr>
-          <p:cNvSpPr>
-            <a:spLocks noGrp="1"/>
-          </p:cNvSpPr>
-          <p:nvPr>
-            <p:ph type="body" idx="1"/>
-          </p:nvPr>
-        </p:nvSpPr>
-        <p:spPr/>
-        <p:txBody>
-          <a:bodyPr/>
-          <a:lstStyle/>
-          <a:p>
-            <a:pPr marL="0" indent="0">
-              <a:buNone/>
-            </a:pPr>
-            <a:r>
-              <a:rPr lang="en-US" sz="1800" dirty="0">
-                <a:latin typeface="Helvetica Neue Medium" panose="02000503000000020004" pitchFamily="2" charset="0"/>
-                <a:ea typeface="Helvetica Neue Medium" panose="02000503000000020004" pitchFamily="2" charset="0"/>
-                <a:cs typeface="Helvetica Neue Medium" panose="02000503000000020004" pitchFamily="2" charset="0"/>
-              </a:rPr>
-              <a:t>‘What qualities impact a country’s average level of happiness?’</a:t>
-            </a:r>
-          </a:p>
-          <a:p>
-            <a:pPr marL="0" indent="0">
-              <a:buNone/>
-            </a:pPr>
-            <a:endParaRPr lang="en-US" sz="1800" dirty="0">
-              <a:latin typeface="Helvetica Neue Medium" panose="02000503000000020004" pitchFamily="2" charset="0"/>
-              <a:ea typeface="Helvetica Neue Medium" panose="02000503000000020004" pitchFamily="2" charset="0"/>
-              <a:cs typeface="Helvetica Neue Medium" panose="02000503000000020004" pitchFamily="2" charset="0"/>
-            </a:endParaRPr>
-          </a:p>
-          <a:p>
-            <a:pPr marL="0" indent="0">
-              <a:buNone/>
-            </a:pPr>
-            <a:r>
-              <a:rPr lang="en-US" sz="1800" dirty="0">
-                <a:latin typeface="Helvetica Neue Medium" panose="02000503000000020004" pitchFamily="2" charset="0"/>
-                <a:ea typeface="Helvetica Neue Medium" panose="02000503000000020004" pitchFamily="2" charset="0"/>
-                <a:cs typeface="Helvetica Neue Medium" panose="02000503000000020004" pitchFamily="2" charset="0"/>
-              </a:rPr>
-              <a:t>UN’s World Happiness Report</a:t>
-            </a:r>
-          </a:p>
-        </p:txBody>
-      </p:sp>
-      <p:pic>
-        <p:nvPicPr>
-          <p:cNvPr id="5" name="Picture 4">
-            <a:extLst>
-              <a:ext uri="{FF2B5EF4-FFF2-40B4-BE49-F238E27FC236}">
-                <a16:creationId xmlns:a16="http://schemas.microsoft.com/office/drawing/2014/main" id="{EE469244-803E-A945-8AD4-F4C38968A298}"/>
-              </a:ext>
-            </a:extLst>
-          </p:cNvPr>
-          <p:cNvPicPr>
-            <a:picLocks noChangeAspect="1"/>
-          </p:cNvPicPr>
-          <p:nvPr/>
-        </p:nvPicPr>
-        <p:blipFill>
-          <a:blip r:embed="rId2"/>
-          <a:stretch>
-            <a:fillRect/>
-          </a:stretch>
-        </p:blipFill>
-        <p:spPr>
-          <a:xfrm>
-            <a:off x="6018028" y="3692731"/>
-            <a:ext cx="5940056" cy="2755696"/>
-          </a:xfrm>
-          <a:prstGeom prst="rect">
-            <a:avLst/>
-          </a:prstGeom>
-        </p:spPr>
-      </p:pic>
-    </p:spTree>
-    <p:extLst>
-      <p:ext uri="{BB962C8B-B14F-4D97-AF65-F5344CB8AC3E}">
-        <p14:creationId xmlns:p14="http://schemas.microsoft.com/office/powerpoint/2010/main" val="4219238229"/>
-      </p:ext>
-    </p:extLst>
-  </p:cSld>
-  <p:clrMapOvr>
-    <a:masterClrMapping/>
-  </p:clrMapOvr>
-</p:sld>
-</file>
-
-<file path=ppt/slides/slide20.xml><?xml version="1.0" encoding="utf-8"?>
+<file path=ppt/slides/slide22.xml><?xml version="1.0" encoding="utf-8"?>
 <p:sld xmlns:a="http://schemas.openxmlformats.org/drawingml/2006/main" xmlns:r="http://schemas.openxmlformats.org/officeDocument/2006/relationships" xmlns:p="http://schemas.openxmlformats.org/presentationml/2006/main">
   <p:cSld>
     <p:spTree>
@@ -13363,7 +14105,7 @@
 </p:sld>
 </file>
 
-<file path=ppt/slides/slide21.xml><?xml version="1.0" encoding="utf-8"?>
+<file path=ppt/slides/slide23.xml><?xml version="1.0" encoding="utf-8"?>
 <p:sld xmlns:a="http://schemas.openxmlformats.org/drawingml/2006/main" xmlns:r="http://schemas.openxmlformats.org/officeDocument/2006/relationships" xmlns:p="http://schemas.openxmlformats.org/presentationml/2006/main">
   <p:cSld>
     <p:spTree>
@@ -13463,7 +14205,7 @@
 </p:sld>
 </file>
 
-<file path=ppt/slides/slide22.xml><?xml version="1.0" encoding="utf-8"?>
+<file path=ppt/slides/slide24.xml><?xml version="1.0" encoding="utf-8"?>
 <p:sld xmlns:a="http://schemas.openxmlformats.org/drawingml/2006/main" xmlns:r="http://schemas.openxmlformats.org/officeDocument/2006/relationships" xmlns:p="http://schemas.openxmlformats.org/presentationml/2006/main">
   <p:cSld>
     <p:spTree>
@@ -14755,6 +15497,696 @@
           <a:chExt cx="0" cy="0"/>
         </a:xfrm>
       </p:grpSpPr>
+      <p:sp>
+        <p:nvSpPr>
+          <p:cNvPr id="2" name="Title 1">
+            <a:extLst>
+              <a:ext uri="{FF2B5EF4-FFF2-40B4-BE49-F238E27FC236}">
+                <a16:creationId xmlns:a16="http://schemas.microsoft.com/office/drawing/2014/main" id="{0C460AA0-5F3A-BE4D-AB96-4C60C813120B}"/>
+              </a:ext>
+            </a:extLst>
+          </p:cNvPr>
+          <p:cNvSpPr>
+            <a:spLocks noGrp="1"/>
+          </p:cNvSpPr>
+          <p:nvPr>
+            <p:ph type="title"/>
+          </p:nvPr>
+        </p:nvSpPr>
+        <p:spPr>
+          <a:xfrm>
+            <a:off x="972600" y="801298"/>
+            <a:ext cx="10251600" cy="713600"/>
+          </a:xfrm>
+        </p:spPr>
+        <p:txBody>
+          <a:bodyPr/>
+          <a:lstStyle/>
+          <a:p>
+            <a:r>
+              <a:rPr lang="en-US" b="0" dirty="0">
+                <a:latin typeface="Helvetica Neue Medium" panose="02000503000000020004" pitchFamily="2" charset="0"/>
+                <a:ea typeface="Helvetica Neue Medium" panose="02000503000000020004" pitchFamily="2" charset="0"/>
+                <a:cs typeface="Helvetica Neue Medium" panose="02000503000000020004" pitchFamily="2" charset="0"/>
+              </a:rPr>
+              <a:t>Putting</a:t>
+            </a:r>
+            <a:r>
+              <a:rPr lang="en-US" dirty="0"/>
+              <a:t> it all together</a:t>
+            </a:r>
+          </a:p>
+        </p:txBody>
+      </p:sp>
+      <p:pic>
+        <p:nvPicPr>
+          <p:cNvPr id="4" name="Picture 3">
+            <a:extLst>
+              <a:ext uri="{FF2B5EF4-FFF2-40B4-BE49-F238E27FC236}">
+                <a16:creationId xmlns:a16="http://schemas.microsoft.com/office/drawing/2014/main" id="{087E50F2-0B44-8C40-866D-58CC9E7E14C8}"/>
+              </a:ext>
+            </a:extLst>
+          </p:cNvPr>
+          <p:cNvPicPr>
+            <a:picLocks noChangeAspect="1"/>
+          </p:cNvPicPr>
+          <p:nvPr/>
+        </p:nvPicPr>
+        <p:blipFill rotWithShape="1">
+          <a:blip r:embed="rId3"/>
+          <a:srcRect r="396" b="57216"/>
+          <a:stretch/>
+        </p:blipFill>
+        <p:spPr>
+          <a:xfrm>
+            <a:off x="3649887" y="3002553"/>
+            <a:ext cx="2214022" cy="1748265"/>
+          </a:xfrm>
+          <a:prstGeom prst="rect">
+            <a:avLst/>
+          </a:prstGeom>
+        </p:spPr>
+      </p:pic>
+      <p:pic>
+        <p:nvPicPr>
+          <p:cNvPr id="5" name="Picture 4">
+            <a:extLst>
+              <a:ext uri="{FF2B5EF4-FFF2-40B4-BE49-F238E27FC236}">
+                <a16:creationId xmlns:a16="http://schemas.microsoft.com/office/drawing/2014/main" id="{B2E64FEC-83A1-0A4E-B7EF-A8BD87E1EC53}"/>
+              </a:ext>
+            </a:extLst>
+          </p:cNvPr>
+          <p:cNvPicPr>
+            <a:picLocks noChangeAspect="1"/>
+          </p:cNvPicPr>
+          <p:nvPr/>
+        </p:nvPicPr>
+        <p:blipFill rotWithShape="1">
+          <a:blip r:embed="rId3"/>
+          <a:srcRect t="42783" r="15850" b="1198"/>
+          <a:stretch/>
+        </p:blipFill>
+        <p:spPr>
+          <a:xfrm>
+            <a:off x="6876141" y="3150873"/>
+            <a:ext cx="1821291" cy="2122875"/>
+          </a:xfrm>
+          <a:prstGeom prst="rect">
+            <a:avLst/>
+          </a:prstGeom>
+        </p:spPr>
+      </p:pic>
+      <p:pic>
+        <p:nvPicPr>
+          <p:cNvPr id="6" name="Picture 5">
+            <a:extLst>
+              <a:ext uri="{FF2B5EF4-FFF2-40B4-BE49-F238E27FC236}">
+                <a16:creationId xmlns:a16="http://schemas.microsoft.com/office/drawing/2014/main" id="{0B234553-7131-4C4C-A180-56A4936776F6}"/>
+              </a:ext>
+            </a:extLst>
+          </p:cNvPr>
+          <p:cNvPicPr>
+            <a:picLocks noChangeAspect="1"/>
+          </p:cNvPicPr>
+          <p:nvPr/>
+        </p:nvPicPr>
+        <p:blipFill rotWithShape="1">
+          <a:blip r:embed="rId3"/>
+          <a:srcRect r="15769" b="96539"/>
+          <a:stretch/>
+        </p:blipFill>
+        <p:spPr>
+          <a:xfrm>
+            <a:off x="6876141" y="3002016"/>
+            <a:ext cx="1945758" cy="139991"/>
+          </a:xfrm>
+          <a:prstGeom prst="rect">
+            <a:avLst/>
+          </a:prstGeom>
+        </p:spPr>
+      </p:pic>
+      <p:sp>
+        <p:nvSpPr>
+          <p:cNvPr id="9" name="TextBox 8">
+            <a:extLst>
+              <a:ext uri="{FF2B5EF4-FFF2-40B4-BE49-F238E27FC236}">
+                <a16:creationId xmlns:a16="http://schemas.microsoft.com/office/drawing/2014/main" id="{C29D3EA7-3152-BC45-A63C-F2248807F600}"/>
+              </a:ext>
+            </a:extLst>
+          </p:cNvPr>
+          <p:cNvSpPr txBox="1"/>
+          <p:nvPr/>
+        </p:nvSpPr>
+        <p:spPr>
+          <a:xfrm>
+            <a:off x="3649886" y="2539409"/>
+            <a:ext cx="1985372" cy="430887"/>
+          </a:xfrm>
+          <a:prstGeom prst="rect">
+            <a:avLst/>
+          </a:prstGeom>
+          <a:noFill/>
+        </p:spPr>
+        <p:txBody>
+          <a:bodyPr wrap="square" rtlCol="0">
+            <a:spAutoFit/>
+          </a:bodyPr>
+          <a:lstStyle/>
+          <a:p>
+            <a:r>
+              <a:rPr lang="en-US" sz="1100" dirty="0">
+                <a:solidFill>
+                  <a:schemeClr val="accent2"/>
+                </a:solidFill>
+              </a:rPr>
+              <a:t>Dataset 1:</a:t>
+            </a:r>
+          </a:p>
+          <a:p>
+            <a:r>
+              <a:rPr lang="en-US" sz="1100" dirty="0">
+                <a:solidFill>
+                  <a:schemeClr val="accent2"/>
+                </a:solidFill>
+              </a:rPr>
+              <a:t>World Happiness Results</a:t>
+            </a:r>
+          </a:p>
+        </p:txBody>
+      </p:sp>
+      <p:sp>
+        <p:nvSpPr>
+          <p:cNvPr id="10" name="TextBox 9">
+            <a:extLst>
+              <a:ext uri="{FF2B5EF4-FFF2-40B4-BE49-F238E27FC236}">
+                <a16:creationId xmlns:a16="http://schemas.microsoft.com/office/drawing/2014/main" id="{D5BE37A8-001E-C745-BD19-56A96C3D588E}"/>
+              </a:ext>
+            </a:extLst>
+          </p:cNvPr>
+          <p:cNvSpPr txBox="1"/>
+          <p:nvPr/>
+        </p:nvSpPr>
+        <p:spPr>
+          <a:xfrm>
+            <a:off x="6829624" y="2544173"/>
+            <a:ext cx="1002647" cy="461665"/>
+          </a:xfrm>
+          <a:prstGeom prst="rect">
+            <a:avLst/>
+          </a:prstGeom>
+          <a:noFill/>
+        </p:spPr>
+        <p:txBody>
+          <a:bodyPr wrap="none" rtlCol="0">
+            <a:spAutoFit/>
+          </a:bodyPr>
+          <a:lstStyle/>
+          <a:p>
+            <a:r>
+              <a:rPr lang="en-US" sz="1200" dirty="0">
+                <a:solidFill>
+                  <a:schemeClr val="accent2"/>
+                </a:solidFill>
+              </a:rPr>
+              <a:t>Dataset 2:</a:t>
+            </a:r>
+          </a:p>
+          <a:p>
+            <a:r>
+              <a:rPr lang="en-US" sz="1200" dirty="0">
+                <a:solidFill>
+                  <a:schemeClr val="accent2"/>
+                </a:solidFill>
+              </a:rPr>
+              <a:t>World Facts</a:t>
+            </a:r>
+          </a:p>
+        </p:txBody>
+      </p:sp>
+      <p:sp>
+        <p:nvSpPr>
+          <p:cNvPr id="11" name="Rectangle 10">
+            <a:extLst>
+              <a:ext uri="{FF2B5EF4-FFF2-40B4-BE49-F238E27FC236}">
+                <a16:creationId xmlns:a16="http://schemas.microsoft.com/office/drawing/2014/main" id="{AA8B3327-E3C4-E04B-99BB-B2E86D36271A}"/>
+              </a:ext>
+            </a:extLst>
+          </p:cNvPr>
+          <p:cNvSpPr/>
+          <p:nvPr/>
+        </p:nvSpPr>
+        <p:spPr>
+          <a:xfrm>
+            <a:off x="3671010" y="2534547"/>
+            <a:ext cx="2050909" cy="2271370"/>
+          </a:xfrm>
+          <a:prstGeom prst="rect">
+            <a:avLst/>
+          </a:prstGeom>
+          <a:noFill/>
+          <a:ln>
+            <a:solidFill>
+              <a:schemeClr val="accent1">
+                <a:lumMod val="75000"/>
+                <a:lumOff val="25000"/>
+              </a:schemeClr>
+            </a:solidFill>
+          </a:ln>
+        </p:spPr>
+        <p:style>
+          <a:lnRef idx="2">
+            <a:schemeClr val="accent1">
+              <a:shade val="50000"/>
+            </a:schemeClr>
+          </a:lnRef>
+          <a:fillRef idx="1">
+            <a:schemeClr val="accent1"/>
+          </a:fillRef>
+          <a:effectRef idx="0">
+            <a:schemeClr val="accent1"/>
+          </a:effectRef>
+          <a:fontRef idx="minor">
+            <a:schemeClr val="lt1"/>
+          </a:fontRef>
+        </p:style>
+        <p:txBody>
+          <a:bodyPr rtlCol="0" anchor="ctr"/>
+          <a:lstStyle/>
+          <a:p>
+            <a:pPr algn="ctr"/>
+            <a:endParaRPr lang="en-US"/>
+          </a:p>
+        </p:txBody>
+      </p:sp>
+      <p:sp>
+        <p:nvSpPr>
+          <p:cNvPr id="12" name="Rectangle 11">
+            <a:extLst>
+              <a:ext uri="{FF2B5EF4-FFF2-40B4-BE49-F238E27FC236}">
+                <a16:creationId xmlns:a16="http://schemas.microsoft.com/office/drawing/2014/main" id="{E061A99A-1075-1A4B-AD01-684163F40973}"/>
+              </a:ext>
+            </a:extLst>
+          </p:cNvPr>
+          <p:cNvSpPr/>
+          <p:nvPr/>
+        </p:nvSpPr>
+        <p:spPr>
+          <a:xfrm>
+            <a:off x="6734151" y="2534547"/>
+            <a:ext cx="1963281" cy="2930590"/>
+          </a:xfrm>
+          <a:prstGeom prst="rect">
+            <a:avLst/>
+          </a:prstGeom>
+          <a:noFill/>
+          <a:ln>
+            <a:solidFill>
+              <a:schemeClr val="accent1">
+                <a:lumMod val="75000"/>
+                <a:lumOff val="25000"/>
+              </a:schemeClr>
+            </a:solidFill>
+          </a:ln>
+        </p:spPr>
+        <p:style>
+          <a:lnRef idx="2">
+            <a:schemeClr val="accent1">
+              <a:shade val="50000"/>
+            </a:schemeClr>
+          </a:lnRef>
+          <a:fillRef idx="1">
+            <a:schemeClr val="accent1"/>
+          </a:fillRef>
+          <a:effectRef idx="0">
+            <a:schemeClr val="accent1"/>
+          </a:effectRef>
+          <a:fontRef idx="minor">
+            <a:schemeClr val="lt1"/>
+          </a:fontRef>
+        </p:style>
+        <p:txBody>
+          <a:bodyPr rtlCol="0" anchor="ctr"/>
+          <a:lstStyle/>
+          <a:p>
+            <a:pPr algn="ctr"/>
+            <a:endParaRPr lang="en-US"/>
+          </a:p>
+        </p:txBody>
+      </p:sp>
+      <p:cxnSp>
+        <p:nvCxnSpPr>
+          <p:cNvPr id="8" name="Straight Arrow Connector 7">
+            <a:extLst>
+              <a:ext uri="{FF2B5EF4-FFF2-40B4-BE49-F238E27FC236}">
+                <a16:creationId xmlns:a16="http://schemas.microsoft.com/office/drawing/2014/main" id="{E4D35DCD-5432-2148-8B9F-9B70CACD49AB}"/>
+              </a:ext>
+            </a:extLst>
+          </p:cNvPr>
+          <p:cNvCxnSpPr>
+            <a:cxnSpLocks/>
+          </p:cNvCxnSpPr>
+          <p:nvPr/>
+        </p:nvCxnSpPr>
+        <p:spPr>
+          <a:xfrm>
+            <a:off x="4760262" y="3090173"/>
+            <a:ext cx="2115879" cy="0"/>
+          </a:xfrm>
+          <a:prstGeom prst="straightConnector1">
+            <a:avLst/>
+          </a:prstGeom>
+          <a:ln w="25400">
+            <a:solidFill>
+              <a:schemeClr val="tx1"/>
+            </a:solidFill>
+            <a:headEnd type="triangle" w="lg" len="med"/>
+            <a:tailEnd type="triangle" w="lg" len="med"/>
+          </a:ln>
+        </p:spPr>
+        <p:style>
+          <a:lnRef idx="1">
+            <a:schemeClr val="accent1"/>
+          </a:lnRef>
+          <a:fillRef idx="0">
+            <a:schemeClr val="accent1"/>
+          </a:fillRef>
+          <a:effectRef idx="0">
+            <a:schemeClr val="accent1"/>
+          </a:effectRef>
+          <a:fontRef idx="minor">
+            <a:schemeClr val="tx1"/>
+          </a:fontRef>
+        </p:style>
+      </p:cxnSp>
+    </p:spTree>
+    <p:extLst>
+      <p:ext uri="{BB962C8B-B14F-4D97-AF65-F5344CB8AC3E}">
+        <p14:creationId xmlns:p14="http://schemas.microsoft.com/office/powerpoint/2010/main" val="1412264562"/>
+      </p:ext>
+    </p:extLst>
+  </p:cSld>
+  <p:clrMapOvr>
+    <a:masterClrMapping/>
+  </p:clrMapOvr>
+</p:sld>
+</file>
+
+<file path=ppt/slides/slide6.xml><?xml version="1.0" encoding="utf-8"?>
+<p:sld xmlns:a="http://schemas.openxmlformats.org/drawingml/2006/main" xmlns:r="http://schemas.openxmlformats.org/officeDocument/2006/relationships" xmlns:p="http://schemas.openxmlformats.org/presentationml/2006/main">
+  <p:cSld>
+    <p:spTree>
+      <p:nvGrpSpPr>
+        <p:cNvPr id="1" name=""/>
+        <p:cNvGrpSpPr/>
+        <p:nvPr/>
+      </p:nvGrpSpPr>
+      <p:grpSpPr>
+        <a:xfrm>
+          <a:off x="0" y="0"/>
+          <a:ext cx="0" cy="0"/>
+          <a:chOff x="0" y="0"/>
+          <a:chExt cx="0" cy="0"/>
+        </a:xfrm>
+      </p:grpSpPr>
+      <p:sp>
+        <p:nvSpPr>
+          <p:cNvPr id="2" name="Title 1">
+            <a:extLst>
+              <a:ext uri="{FF2B5EF4-FFF2-40B4-BE49-F238E27FC236}">
+                <a16:creationId xmlns:a16="http://schemas.microsoft.com/office/drawing/2014/main" id="{9B71AF88-528D-4E4B-A1E2-8001C0CDDFF1}"/>
+              </a:ext>
+            </a:extLst>
+          </p:cNvPr>
+          <p:cNvSpPr>
+            <a:spLocks noGrp="1"/>
+          </p:cNvSpPr>
+          <p:nvPr>
+            <p:ph type="title"/>
+          </p:nvPr>
+        </p:nvSpPr>
+        <p:spPr>
+          <a:xfrm>
+            <a:off x="972600" y="811902"/>
+            <a:ext cx="10251600" cy="713600"/>
+          </a:xfrm>
+        </p:spPr>
+        <p:txBody>
+          <a:bodyPr/>
+          <a:lstStyle/>
+          <a:p>
+            <a:r>
+              <a:rPr lang="en-US" b="0" dirty="0">
+                <a:latin typeface="Helvetica Neue Medium" panose="02000503000000020004" pitchFamily="2" charset="0"/>
+                <a:ea typeface="Helvetica Neue Medium" panose="02000503000000020004" pitchFamily="2" charset="0"/>
+                <a:cs typeface="Helvetica Neue Medium" panose="02000503000000020004" pitchFamily="2" charset="0"/>
+              </a:rPr>
+              <a:t>World Happiness Results</a:t>
+            </a:r>
+          </a:p>
+        </p:txBody>
+      </p:sp>
+      <p:pic>
+        <p:nvPicPr>
+          <p:cNvPr id="7" name="Picture 6">
+            <a:extLst>
+              <a:ext uri="{FF2B5EF4-FFF2-40B4-BE49-F238E27FC236}">
+                <a16:creationId xmlns:a16="http://schemas.microsoft.com/office/drawing/2014/main" id="{EBE697C5-BDAC-BE4D-B995-84D915F8E7BC}"/>
+              </a:ext>
+            </a:extLst>
+          </p:cNvPr>
+          <p:cNvPicPr>
+            <a:picLocks noChangeAspect="1"/>
+          </p:cNvPicPr>
+          <p:nvPr/>
+        </p:nvPicPr>
+        <p:blipFill>
+          <a:blip r:embed="rId3"/>
+          <a:stretch>
+            <a:fillRect/>
+          </a:stretch>
+        </p:blipFill>
+        <p:spPr>
+          <a:xfrm>
+            <a:off x="2750408" y="1525502"/>
+            <a:ext cx="6695984" cy="5021988"/>
+          </a:xfrm>
+          <a:prstGeom prst="rect">
+            <a:avLst/>
+          </a:prstGeom>
+        </p:spPr>
+      </p:pic>
+      <p:cxnSp>
+        <p:nvCxnSpPr>
+          <p:cNvPr id="4" name="Straight Arrow Connector 3">
+            <a:extLst>
+              <a:ext uri="{FF2B5EF4-FFF2-40B4-BE49-F238E27FC236}">
+                <a16:creationId xmlns:a16="http://schemas.microsoft.com/office/drawing/2014/main" id="{27210B5E-2047-5045-BDFC-22A77357C5CC}"/>
+              </a:ext>
+            </a:extLst>
+          </p:cNvPr>
+          <p:cNvCxnSpPr>
+            <a:cxnSpLocks/>
+          </p:cNvCxnSpPr>
+          <p:nvPr/>
+        </p:nvCxnSpPr>
+        <p:spPr>
+          <a:xfrm>
+            <a:off x="1860698" y="5295014"/>
+            <a:ext cx="2753834" cy="499441"/>
+          </a:xfrm>
+          <a:prstGeom prst="straightConnector1">
+            <a:avLst/>
+          </a:prstGeom>
+          <a:ln>
+            <a:tailEnd type="triangle"/>
+          </a:ln>
+        </p:spPr>
+        <p:style>
+          <a:lnRef idx="1">
+            <a:schemeClr val="accent1"/>
+          </a:lnRef>
+          <a:fillRef idx="0">
+            <a:schemeClr val="accent1"/>
+          </a:fillRef>
+          <a:effectRef idx="0">
+            <a:schemeClr val="accent1"/>
+          </a:effectRef>
+          <a:fontRef idx="minor">
+            <a:schemeClr val="tx1"/>
+          </a:fontRef>
+        </p:style>
+      </p:cxnSp>
+      <p:sp>
+        <p:nvSpPr>
+          <p:cNvPr id="9" name="TextBox 8">
+            <a:extLst>
+              <a:ext uri="{FF2B5EF4-FFF2-40B4-BE49-F238E27FC236}">
+                <a16:creationId xmlns:a16="http://schemas.microsoft.com/office/drawing/2014/main" id="{CCECAC4A-2CB0-A94A-9CE0-C4E86BB12584}"/>
+              </a:ext>
+            </a:extLst>
+          </p:cNvPr>
+          <p:cNvSpPr txBox="1"/>
+          <p:nvPr/>
+        </p:nvSpPr>
+        <p:spPr>
+          <a:xfrm>
+            <a:off x="850605" y="4648683"/>
+            <a:ext cx="1774909" cy="646331"/>
+          </a:xfrm>
+          <a:prstGeom prst="rect">
+            <a:avLst/>
+          </a:prstGeom>
+          <a:noFill/>
+        </p:spPr>
+        <p:txBody>
+          <a:bodyPr wrap="none" rtlCol="0">
+            <a:spAutoFit/>
+          </a:bodyPr>
+          <a:lstStyle/>
+          <a:p>
+            <a:r>
+              <a:rPr lang="en-US" dirty="0">
+                <a:solidFill>
+                  <a:schemeClr val="accent2"/>
+                </a:solidFill>
+              </a:rPr>
+              <a:t>Burundi (2.91)</a:t>
+            </a:r>
+          </a:p>
+          <a:p>
+            <a:r>
+              <a:rPr lang="en-US" dirty="0">
+                <a:solidFill>
+                  <a:schemeClr val="accent2"/>
+                </a:solidFill>
+              </a:rPr>
+              <a:t>Tanzania (3.35)</a:t>
+            </a:r>
+          </a:p>
+        </p:txBody>
+      </p:sp>
+      <p:sp>
+        <p:nvSpPr>
+          <p:cNvPr id="16" name="TextBox 15">
+            <a:extLst>
+              <a:ext uri="{FF2B5EF4-FFF2-40B4-BE49-F238E27FC236}">
+                <a16:creationId xmlns:a16="http://schemas.microsoft.com/office/drawing/2014/main" id="{842C344A-87AB-FC4D-905B-FD26917925C9}"/>
+              </a:ext>
+            </a:extLst>
+          </p:cNvPr>
+          <p:cNvSpPr txBox="1"/>
+          <p:nvPr/>
+        </p:nvSpPr>
+        <p:spPr>
+          <a:xfrm>
+            <a:off x="9699526" y="4691069"/>
+            <a:ext cx="1787669" cy="646331"/>
+          </a:xfrm>
+          <a:prstGeom prst="rect">
+            <a:avLst/>
+          </a:prstGeom>
+          <a:noFill/>
+        </p:spPr>
+        <p:txBody>
+          <a:bodyPr wrap="none" rtlCol="0">
+            <a:spAutoFit/>
+          </a:bodyPr>
+          <a:lstStyle/>
+          <a:p>
+            <a:pPr algn="r"/>
+            <a:r>
+              <a:rPr lang="en-US" dirty="0">
+                <a:solidFill>
+                  <a:schemeClr val="accent2"/>
+                </a:solidFill>
+              </a:rPr>
+              <a:t>Norway (7.54)</a:t>
+            </a:r>
+          </a:p>
+          <a:p>
+            <a:pPr algn="r"/>
+            <a:r>
+              <a:rPr lang="en-US" dirty="0">
+                <a:solidFill>
+                  <a:schemeClr val="accent2"/>
+                </a:solidFill>
+              </a:rPr>
+              <a:t>Denmark (7.52)</a:t>
+            </a:r>
+          </a:p>
+        </p:txBody>
+      </p:sp>
+      <p:cxnSp>
+        <p:nvCxnSpPr>
+          <p:cNvPr id="17" name="Straight Arrow Connector 16">
+            <a:extLst>
+              <a:ext uri="{FF2B5EF4-FFF2-40B4-BE49-F238E27FC236}">
+                <a16:creationId xmlns:a16="http://schemas.microsoft.com/office/drawing/2014/main" id="{8653865A-5CB5-5B44-946E-DDD6AF72C183}"/>
+              </a:ext>
+            </a:extLst>
+          </p:cNvPr>
+          <p:cNvCxnSpPr>
+            <a:cxnSpLocks/>
+          </p:cNvCxnSpPr>
+          <p:nvPr/>
+        </p:nvCxnSpPr>
+        <p:spPr>
+          <a:xfrm flipH="1" flipV="1">
+            <a:off x="7719238" y="4157331"/>
+            <a:ext cx="2169041" cy="533738"/>
+          </a:xfrm>
+          <a:prstGeom prst="straightConnector1">
+            <a:avLst/>
+          </a:prstGeom>
+          <a:ln>
+            <a:tailEnd type="triangle"/>
+          </a:ln>
+        </p:spPr>
+        <p:style>
+          <a:lnRef idx="1">
+            <a:schemeClr val="accent1"/>
+          </a:lnRef>
+          <a:fillRef idx="0">
+            <a:schemeClr val="accent1"/>
+          </a:fillRef>
+          <a:effectRef idx="0">
+            <a:schemeClr val="accent1"/>
+          </a:effectRef>
+          <a:fontRef idx="minor">
+            <a:schemeClr val="tx1"/>
+          </a:fontRef>
+        </p:style>
+      </p:cxnSp>
+    </p:spTree>
+    <p:extLst>
+      <p:ext uri="{BB962C8B-B14F-4D97-AF65-F5344CB8AC3E}">
+        <p14:creationId xmlns:p14="http://schemas.microsoft.com/office/powerpoint/2010/main" val="887075159"/>
+      </p:ext>
+    </p:extLst>
+  </p:cSld>
+  <p:clrMapOvr>
+    <a:masterClrMapping/>
+  </p:clrMapOvr>
+</p:sld>
+</file>
+
+<file path=ppt/slides/slide7.xml><?xml version="1.0" encoding="utf-8"?>
+<p:sld xmlns:a="http://schemas.openxmlformats.org/drawingml/2006/main" xmlns:r="http://schemas.openxmlformats.org/officeDocument/2006/relationships" xmlns:p="http://schemas.openxmlformats.org/presentationml/2006/main">
+  <p:cSld>
+    <p:spTree>
+      <p:nvGrpSpPr>
+        <p:cNvPr id="1" name=""/>
+        <p:cNvGrpSpPr/>
+        <p:nvPr/>
+      </p:nvGrpSpPr>
+      <p:grpSpPr>
+        <a:xfrm>
+          <a:off x="0" y="0"/>
+          <a:ext cx="0" cy="0"/>
+          <a:chOff x="0" y="0"/>
+          <a:chExt cx="0" cy="0"/>
+        </a:xfrm>
+      </p:grpSpPr>
       <p:pic>
         <p:nvPicPr>
           <p:cNvPr id="6" name="Picture 5">
@@ -14777,8 +16209,8 @@
         </p:blipFill>
         <p:spPr>
           <a:xfrm>
-            <a:off x="2237194" y="1783211"/>
-            <a:ext cx="8088242" cy="5074789"/>
+            <a:off x="2111471" y="1800370"/>
+            <a:ext cx="8339688" cy="5040470"/>
           </a:xfrm>
           <a:prstGeom prst="rect">
             <a:avLst/>
@@ -14848,8 +16280,8 @@
         </p:blipFill>
         <p:spPr>
           <a:xfrm>
-            <a:off x="2237194" y="1783211"/>
-            <a:ext cx="8088242" cy="5074789"/>
+            <a:off x="2111471" y="1800370"/>
+            <a:ext cx="8339688" cy="5040470"/>
           </a:xfrm>
           <a:prstGeom prst="rect">
             <a:avLst/>
@@ -14870,7 +16302,7 @@
         </p:nvSpPr>
         <p:spPr>
           <a:xfrm>
-            <a:off x="4157332" y="1708783"/>
+            <a:off x="3615072" y="1800370"/>
             <a:ext cx="361506" cy="4107226"/>
           </a:xfrm>
           <a:prstGeom prst="rect">
@@ -14992,33 +16424,15 @@
                                   </p:childTnLst>
                                 </p:cTn>
                               </p:par>
-                            </p:childTnLst>
-                          </p:cTn>
-                        </p:par>
-                      </p:childTnLst>
-                    </p:cTn>
-                  </p:par>
-                  <p:par>
-                    <p:cTn id="9" fill="hold">
-                      <p:stCondLst>
-                        <p:cond delay="indefinite"/>
-                      </p:stCondLst>
-                      <p:childTnLst>
-                        <p:par>
-                          <p:cTn id="10" fill="hold">
-                            <p:stCondLst>
-                              <p:cond delay="0"/>
-                            </p:stCondLst>
-                            <p:childTnLst>
                               <p:par>
-                                <p:cTn id="11" presetID="1" presetClass="entr" presetSubtype="0" fill="hold" nodeType="clickEffect">
+                                <p:cTn id="9" presetID="1" presetClass="entr" presetSubtype="0" fill="hold" nodeType="withEffect">
                                   <p:stCondLst>
                                     <p:cond delay="0"/>
                                   </p:stCondLst>
                                   <p:childTnLst>
                                     <p:set>
                                       <p:cBhvr>
-                                        <p:cTn id="12" dur="1" fill="hold">
+                                        <p:cTn id="10" dur="1" fill="hold">
                                           <p:stCondLst>
                                             <p:cond delay="0"/>
                                           </p:stCondLst>
@@ -15038,14 +16452,14 @@
                                 </p:cTn>
                               </p:par>
                               <p:par>
-                                <p:cTn id="13" presetID="1" presetClass="entr" presetSubtype="0" fill="hold" grpId="1" nodeType="withEffect">
+                                <p:cTn id="11" presetID="1" presetClass="entr" presetSubtype="0" fill="hold" grpId="1" nodeType="withEffect">
                                   <p:stCondLst>
                                     <p:cond delay="0"/>
                                   </p:stCondLst>
                                   <p:childTnLst>
                                     <p:set>
                                       <p:cBhvr>
-                                        <p:cTn id="14" dur="1" fill="hold">
+                                        <p:cTn id="12" dur="1" fill="hold">
                                           <p:stCondLst>
                                             <p:cond delay="0"/>
                                           </p:stCondLst>
@@ -15099,7 +16513,7 @@
 </p:sld>
 </file>
 
-<file path=ppt/slides/slide6.xml><?xml version="1.0" encoding="utf-8"?>
+<file path=ppt/slides/slide8.xml><?xml version="1.0" encoding="utf-8"?>
 <p:sld xmlns:a="http://schemas.openxmlformats.org/drawingml/2006/main" xmlns:r="http://schemas.openxmlformats.org/officeDocument/2006/relationships" xmlns:p="http://schemas.openxmlformats.org/presentationml/2006/main">
   <p:cSld>
     <p:spTree>
@@ -17606,7 +19020,7 @@
 </p:sld>
 </file>
 
-<file path=ppt/slides/slide7.xml><?xml version="1.0" encoding="utf-8"?>
+<file path=ppt/slides/slide9.xml><?xml version="1.0" encoding="utf-8"?>
 <p:sld xmlns:a="http://schemas.openxmlformats.org/drawingml/2006/main" xmlns:r="http://schemas.openxmlformats.org/officeDocument/2006/relationships" xmlns:p="http://schemas.openxmlformats.org/presentationml/2006/main">
   <p:cSld>
     <p:spTree>
@@ -17704,8 +19118,8 @@
         </p:nvSpPr>
         <p:spPr>
           <a:xfrm>
-            <a:off x="7096954" y="6013118"/>
-            <a:ext cx="2568042" cy="307777"/>
+            <a:off x="7118358" y="5808813"/>
+            <a:ext cx="2568042" cy="369332"/>
           </a:xfrm>
           <a:prstGeom prst="rect">
             <a:avLst/>
@@ -17719,7 +19133,7 @@
           <a:lstStyle/>
           <a:p>
             <a:r>
-              <a:rPr lang="en-US" sz="1400" dirty="0" err="1">
+              <a:rPr lang="en-US" dirty="0" err="1">
                 <a:solidFill>
                   <a:schemeClr val="accent1"/>
                 </a:solidFill>
@@ -17730,7 +19144,7 @@
               <a:t>mse</a:t>
             </a:r>
             <a:r>
-              <a:rPr lang="en-US" sz="1400" dirty="0">
+              <a:rPr lang="en-US" dirty="0">
                 <a:solidFill>
                   <a:schemeClr val="accent1"/>
                 </a:solidFill>
@@ -17899,331 +19313,155 @@
           </a:p>
         </p:txBody>
       </p:sp>
-    </p:spTree>
-    <p:extLst>
-      <p:ext uri="{BB962C8B-B14F-4D97-AF65-F5344CB8AC3E}">
-        <p14:creationId xmlns:p14="http://schemas.microsoft.com/office/powerpoint/2010/main" val="2212256978"/>
-      </p:ext>
-    </p:extLst>
-  </p:cSld>
-  <p:clrMapOvr>
-    <a:masterClrMapping/>
-  </p:clrMapOvr>
-</p:sld>
-</file>
-
-<file path=ppt/slides/slide8.xml><?xml version="1.0" encoding="utf-8"?>
-<p:sld xmlns:a="http://schemas.openxmlformats.org/drawingml/2006/main" xmlns:r="http://schemas.openxmlformats.org/officeDocument/2006/relationships" xmlns:p="http://schemas.openxmlformats.org/presentationml/2006/main">
-  <p:cSld>
-    <p:spTree>
-      <p:nvGrpSpPr>
-        <p:cNvPr id="1" name=""/>
-        <p:cNvGrpSpPr/>
-        <p:nvPr/>
-      </p:nvGrpSpPr>
-      <p:grpSpPr>
-        <a:xfrm>
-          <a:off x="0" y="0"/>
-          <a:ext cx="0" cy="0"/>
-          <a:chOff x="0" y="0"/>
-          <a:chExt cx="0" cy="0"/>
-        </a:xfrm>
-      </p:grpSpPr>
-      <p:sp>
-        <p:nvSpPr>
-          <p:cNvPr id="2" name="Title 1">
+      <p:cxnSp>
+        <p:nvCxnSpPr>
+          <p:cNvPr id="39" name="Straight Arrow Connector 38">
             <a:extLst>
               <a:ext uri="{FF2B5EF4-FFF2-40B4-BE49-F238E27FC236}">
-                <a16:creationId xmlns:a16="http://schemas.microsoft.com/office/drawing/2014/main" id="{CA933C14-7447-CC42-88E9-4D1030C5C784}"/>
+                <a16:creationId xmlns:a16="http://schemas.microsoft.com/office/drawing/2014/main" id="{5FF5C570-5D59-9F4F-9A31-89E1BE2D73B6}"/>
               </a:ext>
             </a:extLst>
           </p:cNvPr>
-          <p:cNvSpPr>
-            <a:spLocks noGrp="1"/>
-          </p:cNvSpPr>
-          <p:nvPr>
-            <p:ph type="title"/>
-          </p:nvPr>
-        </p:nvSpPr>
+          <p:cNvCxnSpPr/>
+          <p:nvPr/>
+        </p:nvCxnSpPr>
         <p:spPr>
           <a:xfrm>
-            <a:off x="972600" y="811716"/>
-            <a:ext cx="10251600" cy="713600"/>
+            <a:off x="3657600" y="5773479"/>
+            <a:ext cx="616688" cy="0"/>
           </a:xfrm>
-        </p:spPr>
-        <p:txBody>
-          <a:bodyPr/>
-          <a:lstStyle/>
-          <a:p>
-            <a:r>
-              <a:rPr lang="en-US" dirty="0"/>
-              <a:t>Cross Validation and Regularization</a:t>
-            </a:r>
-          </a:p>
-        </p:txBody>
-      </p:sp>
-      <p:sp>
-        <p:nvSpPr>
-          <p:cNvPr id="4" name="Text Placeholder 3">
-            <a:extLst>
-              <a:ext uri="{FF2B5EF4-FFF2-40B4-BE49-F238E27FC236}">
-                <a16:creationId xmlns:a16="http://schemas.microsoft.com/office/drawing/2014/main" id="{D60FE952-16CD-244B-AE11-28D12844930E}"/>
-              </a:ext>
-            </a:extLst>
-          </p:cNvPr>
-          <p:cNvSpPr>
-            <a:spLocks noGrp="1"/>
-          </p:cNvSpPr>
-          <p:nvPr>
-            <p:ph type="body" idx="1"/>
-          </p:nvPr>
-        </p:nvSpPr>
-        <p:spPr>
-          <a:xfrm>
-            <a:off x="972600" y="2768568"/>
-            <a:ext cx="4992265" cy="3014800"/>
-          </a:xfrm>
-        </p:spPr>
-        <p:txBody>
-          <a:bodyPr numCol="1"/>
-          <a:lstStyle/>
-          <a:p>
-            <a:pPr marL="194729" indent="0">
-              <a:buNone/>
-            </a:pPr>
-            <a:r>
-              <a:rPr lang="en-US" sz="1800" u="sng" dirty="0">
-                <a:latin typeface="Helvetica Neue Medium" panose="02000503000000020004" pitchFamily="2" charset="0"/>
-                <a:ea typeface="Helvetica Neue Medium" panose="02000503000000020004" pitchFamily="2" charset="0"/>
-                <a:cs typeface="Helvetica Neue Medium" panose="02000503000000020004" pitchFamily="2" charset="0"/>
-              </a:rPr>
-              <a:t>10-Fold Cross Validation:</a:t>
-            </a:r>
-          </a:p>
-          <a:p>
-            <a:pPr marL="194729" indent="0">
-              <a:buNone/>
-            </a:pPr>
-            <a:endParaRPr lang="en-US" sz="1800" u="sng" dirty="0">
-              <a:latin typeface="Helvetica Neue Medium" panose="02000503000000020004" pitchFamily="2" charset="0"/>
-              <a:ea typeface="Helvetica Neue Medium" panose="02000503000000020004" pitchFamily="2" charset="0"/>
-              <a:cs typeface="Helvetica Neue Medium" panose="02000503000000020004" pitchFamily="2" charset="0"/>
-            </a:endParaRPr>
-          </a:p>
-          <a:p>
-            <a:r>
-              <a:rPr lang="en-US" sz="1800" dirty="0">
-                <a:latin typeface="Helvetica Neue Medium" panose="02000503000000020004" pitchFamily="2" charset="0"/>
-                <a:ea typeface="Helvetica Neue Medium" panose="02000503000000020004" pitchFamily="2" charset="0"/>
-                <a:cs typeface="Helvetica Neue Medium" panose="02000503000000020004" pitchFamily="2" charset="0"/>
-              </a:rPr>
-              <a:t>r</a:t>
-            </a:r>
-            <a:r>
-              <a:rPr lang="en-US" sz="1800" baseline="30000" dirty="0">
-                <a:latin typeface="Helvetica Neue Medium" panose="02000503000000020004" pitchFamily="2" charset="0"/>
-                <a:ea typeface="Helvetica Neue Medium" panose="02000503000000020004" pitchFamily="2" charset="0"/>
-                <a:cs typeface="Helvetica Neue Medium" panose="02000503000000020004" pitchFamily="2" charset="0"/>
-              </a:rPr>
-              <a:t>2</a:t>
-            </a:r>
-            <a:r>
-              <a:rPr lang="en-US" sz="1800" dirty="0">
-                <a:latin typeface="Helvetica Neue Medium" panose="02000503000000020004" pitchFamily="2" charset="0"/>
-                <a:ea typeface="Helvetica Neue Medium" panose="02000503000000020004" pitchFamily="2" charset="0"/>
-                <a:cs typeface="Helvetica Neue Medium" panose="02000503000000020004" pitchFamily="2" charset="0"/>
-              </a:rPr>
-              <a:t> = 0.7371</a:t>
-            </a:r>
-          </a:p>
-          <a:p>
-            <a:r>
-              <a:rPr lang="en-US" sz="1800" dirty="0" err="1">
-                <a:latin typeface="Helvetica Neue Medium" panose="02000503000000020004" pitchFamily="2" charset="0"/>
-                <a:ea typeface="Helvetica Neue Medium" panose="02000503000000020004" pitchFamily="2" charset="0"/>
-                <a:cs typeface="Helvetica Neue Medium" panose="02000503000000020004" pitchFamily="2" charset="0"/>
-              </a:rPr>
-              <a:t>mse</a:t>
-            </a:r>
-            <a:r>
-              <a:rPr lang="en-US" sz="1800" dirty="0">
-                <a:latin typeface="Helvetica Neue Medium" panose="02000503000000020004" pitchFamily="2" charset="0"/>
-                <a:ea typeface="Helvetica Neue Medium" panose="02000503000000020004" pitchFamily="2" charset="0"/>
-                <a:cs typeface="Helvetica Neue Medium" panose="02000503000000020004" pitchFamily="2" charset="0"/>
-              </a:rPr>
-              <a:t> = 0.2430</a:t>
-            </a:r>
-          </a:p>
-          <a:p>
-            <a:endParaRPr lang="en-US" sz="1800" dirty="0">
-              <a:latin typeface="Helvetica Neue Medium" panose="02000503000000020004" pitchFamily="2" charset="0"/>
-              <a:ea typeface="Helvetica Neue Medium" panose="02000503000000020004" pitchFamily="2" charset="0"/>
-              <a:cs typeface="Helvetica Neue Medium" panose="02000503000000020004" pitchFamily="2" charset="0"/>
-            </a:endParaRPr>
-          </a:p>
-        </p:txBody>
-      </p:sp>
-      <p:sp>
-        <p:nvSpPr>
-          <p:cNvPr id="7" name="Rectangle 6">
-            <a:extLst>
-              <a:ext uri="{FF2B5EF4-FFF2-40B4-BE49-F238E27FC236}">
-                <a16:creationId xmlns:a16="http://schemas.microsoft.com/office/drawing/2014/main" id="{58E4F149-4265-9E48-9CA3-FCBBCCFC064F}"/>
-              </a:ext>
-            </a:extLst>
-          </p:cNvPr>
-          <p:cNvSpPr/>
-          <p:nvPr/>
-        </p:nvSpPr>
-        <p:spPr>
-          <a:xfrm>
-            <a:off x="6259033" y="3322161"/>
-            <a:ext cx="2173730" cy="1267796"/>
-          </a:xfrm>
-          <a:prstGeom prst="rect">
+          <a:prstGeom prst="straightConnector1">
             <a:avLst/>
           </a:prstGeom>
-          <a:noFill/>
           <a:ln>
-            <a:solidFill>
-              <a:schemeClr val="tx1"/>
-            </a:solidFill>
+            <a:tailEnd type="triangle"/>
           </a:ln>
         </p:spPr>
         <p:style>
-          <a:lnRef idx="2">
-            <a:schemeClr val="accent1">
-              <a:shade val="50000"/>
-            </a:schemeClr>
+          <a:lnRef idx="1">
+            <a:schemeClr val="accent1"/>
           </a:lnRef>
-          <a:fillRef idx="1">
+          <a:fillRef idx="0">
             <a:schemeClr val="accent1"/>
           </a:fillRef>
           <a:effectRef idx="0">
             <a:schemeClr val="accent1"/>
           </a:effectRef>
           <a:fontRef idx="minor">
-            <a:schemeClr val="lt1"/>
+            <a:schemeClr val="tx1"/>
           </a:fontRef>
         </p:style>
-        <p:txBody>
-          <a:bodyPr rtlCol="0" anchor="ctr"/>
-          <a:lstStyle/>
-          <a:p>
-            <a:pPr algn="ctr"/>
-            <a:endParaRPr lang="en-US"/>
-          </a:p>
-        </p:txBody>
-      </p:sp>
-      <p:sp>
-        <p:nvSpPr>
-          <p:cNvPr id="9" name="Rectangle 8">
+      </p:cxnSp>
+      <p:cxnSp>
+        <p:nvCxnSpPr>
+          <p:cNvPr id="40" name="Straight Arrow Connector 39">
             <a:extLst>
               <a:ext uri="{FF2B5EF4-FFF2-40B4-BE49-F238E27FC236}">
-                <a16:creationId xmlns:a16="http://schemas.microsoft.com/office/drawing/2014/main" id="{EB998C3F-F713-674B-B90A-69866CC5E4BD}"/>
+                <a16:creationId xmlns:a16="http://schemas.microsoft.com/office/drawing/2014/main" id="{5104F51B-83FD-DA43-B1C1-0E60560DABA4}"/>
               </a:ext>
             </a:extLst>
           </p:cNvPr>
-          <p:cNvSpPr/>
+          <p:cNvCxnSpPr>
+            <a:cxnSpLocks/>
+          </p:cNvCxnSpPr>
+          <p:nvPr/>
+        </p:nvCxnSpPr>
+        <p:spPr>
+          <a:xfrm flipH="1">
+            <a:off x="7464057" y="2205233"/>
+            <a:ext cx="558209" cy="0"/>
+          </a:xfrm>
+          <a:prstGeom prst="straightConnector1">
+            <a:avLst/>
+          </a:prstGeom>
+          <a:ln>
+            <a:tailEnd type="triangle"/>
+          </a:ln>
+        </p:spPr>
+        <p:style>
+          <a:lnRef idx="1">
+            <a:schemeClr val="accent1"/>
+          </a:lnRef>
+          <a:fillRef idx="0">
+            <a:schemeClr val="accent1"/>
+          </a:fillRef>
+          <a:effectRef idx="0">
+            <a:schemeClr val="accent1"/>
+          </a:effectRef>
+          <a:fontRef idx="minor">
+            <a:schemeClr val="tx1"/>
+          </a:fontRef>
+        </p:style>
+      </p:cxnSp>
+      <p:cxnSp>
+        <p:nvCxnSpPr>
+          <p:cNvPr id="41" name="Straight Arrow Connector 40">
+            <a:extLst>
+              <a:ext uri="{FF2B5EF4-FFF2-40B4-BE49-F238E27FC236}">
+                <a16:creationId xmlns:a16="http://schemas.microsoft.com/office/drawing/2014/main" id="{A9C08DDD-C255-5744-9FC7-22B97C365600}"/>
+              </a:ext>
+            </a:extLst>
+          </p:cNvPr>
+          <p:cNvCxnSpPr>
+            <a:cxnSpLocks/>
+          </p:cNvCxnSpPr>
+          <p:nvPr/>
+        </p:nvCxnSpPr>
+        <p:spPr>
+          <a:xfrm flipH="1">
+            <a:off x="7304568" y="3519377"/>
+            <a:ext cx="765544" cy="441078"/>
+          </a:xfrm>
+          <a:prstGeom prst="straightConnector1">
+            <a:avLst/>
+          </a:prstGeom>
+          <a:ln>
+            <a:tailEnd type="triangle"/>
+          </a:ln>
+        </p:spPr>
+        <p:style>
+          <a:lnRef idx="1">
+            <a:schemeClr val="accent1"/>
+          </a:lnRef>
+          <a:fillRef idx="0">
+            <a:schemeClr val="accent1"/>
+          </a:fillRef>
+          <a:effectRef idx="0">
+            <a:schemeClr val="accent1"/>
+          </a:effectRef>
+          <a:fontRef idx="minor">
+            <a:schemeClr val="tx1"/>
+          </a:fontRef>
+        </p:style>
+      </p:cxnSp>
+      <p:sp>
+        <p:nvSpPr>
+          <p:cNvPr id="46" name="TextBox 45">
+            <a:extLst>
+              <a:ext uri="{FF2B5EF4-FFF2-40B4-BE49-F238E27FC236}">
+                <a16:creationId xmlns:a16="http://schemas.microsoft.com/office/drawing/2014/main" id="{B1CE874E-68A1-5B48-AA31-72D9472BFF51}"/>
+              </a:ext>
+            </a:extLst>
+          </p:cNvPr>
+          <p:cNvSpPr txBox="1"/>
           <p:nvPr/>
         </p:nvSpPr>
         <p:spPr>
           <a:xfrm>
-            <a:off x="6259033" y="2835631"/>
-            <a:ext cx="4586177" cy="1846659"/>
+            <a:off x="8070112" y="2010132"/>
+            <a:ext cx="453970" cy="369332"/>
           </a:xfrm>
           <a:prstGeom prst="rect">
             <a:avLst/>
           </a:prstGeom>
+          <a:noFill/>
         </p:spPr>
         <p:txBody>
-          <a:bodyPr wrap="square">
+          <a:bodyPr wrap="none" rtlCol="0">
             <a:spAutoFit/>
           </a:bodyPr>
           <a:lstStyle/>
           <a:p>
-            <a:pPr marL="194729" indent="0">
-              <a:buNone/>
-            </a:pPr>
-            <a:r>
-              <a:rPr lang="en-US" u="sng" dirty="0">
-                <a:solidFill>
-                  <a:schemeClr val="accent1"/>
-                </a:solidFill>
-                <a:latin typeface="Helvetica Neue Medium" panose="02000503000000020004" pitchFamily="2" charset="0"/>
-                <a:ea typeface="Helvetica Neue Medium" panose="02000503000000020004" pitchFamily="2" charset="0"/>
-                <a:cs typeface="Helvetica Neue Medium" panose="02000503000000020004" pitchFamily="2" charset="0"/>
-              </a:rPr>
-              <a:t>Cross Validated </a:t>
-            </a:r>
-            <a:r>
-              <a:rPr lang="en-US" i="1" u="sng" dirty="0">
-                <a:solidFill>
-                  <a:schemeClr val="accent1"/>
-                </a:solidFill>
-                <a:latin typeface="Helvetica Neue Medium" panose="02000503000000020004" pitchFamily="2" charset="0"/>
-                <a:ea typeface="Helvetica Neue Medium" panose="02000503000000020004" pitchFamily="2" charset="0"/>
-                <a:cs typeface="Helvetica Neue Medium" panose="02000503000000020004" pitchFamily="2" charset="0"/>
-              </a:rPr>
-              <a:t>and</a:t>
-            </a:r>
-            <a:r>
-              <a:rPr lang="en-US" u="sng" dirty="0">
-                <a:solidFill>
-                  <a:schemeClr val="accent1"/>
-                </a:solidFill>
-                <a:latin typeface="Helvetica Neue Medium" panose="02000503000000020004" pitchFamily="2" charset="0"/>
-                <a:ea typeface="Helvetica Neue Medium" panose="02000503000000020004" pitchFamily="2" charset="0"/>
-                <a:cs typeface="Helvetica Neue Medium" panose="02000503000000020004" pitchFamily="2" charset="0"/>
-              </a:rPr>
-              <a:t> Regularized:</a:t>
-            </a:r>
-          </a:p>
-          <a:p>
-            <a:pPr marL="194729" indent="0">
-              <a:buNone/>
-            </a:pPr>
-            <a:endParaRPr lang="en-US" u="sng" dirty="0">
-              <a:solidFill>
-                <a:schemeClr val="accent1"/>
-              </a:solidFill>
-              <a:latin typeface="Helvetica Neue Medium" panose="02000503000000020004" pitchFamily="2" charset="0"/>
-              <a:ea typeface="Helvetica Neue Medium" panose="02000503000000020004" pitchFamily="2" charset="0"/>
-              <a:cs typeface="Helvetica Neue Medium" panose="02000503000000020004" pitchFamily="2" charset="0"/>
-            </a:endParaRPr>
-          </a:p>
-          <a:p>
-            <a:pPr marL="194729" indent="0">
-              <a:buNone/>
-            </a:pPr>
-            <a:r>
-              <a:rPr lang="en-US" u="sng" dirty="0" err="1">
-                <a:solidFill>
-                  <a:schemeClr val="accent1"/>
-                </a:solidFill>
-                <a:latin typeface="Helvetica Neue Medium" panose="02000503000000020004" pitchFamily="2" charset="0"/>
-                <a:ea typeface="Helvetica Neue Medium" panose="02000503000000020004" pitchFamily="2" charset="0"/>
-                <a:cs typeface="Helvetica Neue Medium" panose="02000503000000020004" pitchFamily="2" charset="0"/>
-              </a:rPr>
-              <a:t>RidgeCV</a:t>
-            </a:r>
-            <a:r>
-              <a:rPr lang="en-US" u="sng" dirty="0">
-                <a:solidFill>
-                  <a:schemeClr val="accent1"/>
-                </a:solidFill>
-                <a:latin typeface="Helvetica Neue Medium" panose="02000503000000020004" pitchFamily="2" charset="0"/>
-                <a:ea typeface="Helvetica Neue Medium" panose="02000503000000020004" pitchFamily="2" charset="0"/>
-                <a:cs typeface="Helvetica Neue Medium" panose="02000503000000020004" pitchFamily="2" charset="0"/>
-              </a:rPr>
-              <a:t>:</a:t>
-            </a:r>
-          </a:p>
-          <a:p>
-            <a:pPr marL="285750" indent="-285750">
-              <a:buFont typeface="Arial" panose="020B0604020202020204" pitchFamily="34" charset="0"/>
-              <a:buChar char="•"/>
-            </a:pPr>
             <a:r>
               <a:rPr lang="en-US" dirty="0">
                 <a:solidFill>
@@ -18233,19 +19471,39 @@
                 <a:ea typeface="Helvetica Neue Medium" panose="02000503000000020004" pitchFamily="2" charset="0"/>
                 <a:cs typeface="Helvetica Neue Medium" panose="02000503000000020004" pitchFamily="2" charset="0"/>
               </a:rPr>
-              <a:t>r</a:t>
-            </a:r>
-            <a:r>
-              <a:rPr lang="en-US" baseline="30000" dirty="0">
-                <a:solidFill>
-                  <a:schemeClr val="accent1"/>
-                </a:solidFill>
-                <a:latin typeface="Helvetica Neue Medium" panose="02000503000000020004" pitchFamily="2" charset="0"/>
-                <a:ea typeface="Helvetica Neue Medium" panose="02000503000000020004" pitchFamily="2" charset="0"/>
-                <a:cs typeface="Helvetica Neue Medium" panose="02000503000000020004" pitchFamily="2" charset="0"/>
-              </a:rPr>
-              <a:t>2</a:t>
-            </a:r>
+              <a:t>Fit</a:t>
+            </a:r>
+          </a:p>
+        </p:txBody>
+      </p:sp>
+      <p:sp>
+        <p:nvSpPr>
+          <p:cNvPr id="47" name="TextBox 46">
+            <a:extLst>
+              <a:ext uri="{FF2B5EF4-FFF2-40B4-BE49-F238E27FC236}">
+                <a16:creationId xmlns:a16="http://schemas.microsoft.com/office/drawing/2014/main" id="{CBD33B11-9435-8247-94CA-4F18F64E00C2}"/>
+              </a:ext>
+            </a:extLst>
+          </p:cNvPr>
+          <p:cNvSpPr txBox="1"/>
+          <p:nvPr/>
+        </p:nvSpPr>
+        <p:spPr>
+          <a:xfrm>
+            <a:off x="8070112" y="3321849"/>
+            <a:ext cx="1576072" cy="646331"/>
+          </a:xfrm>
+          <a:prstGeom prst="rect">
+            <a:avLst/>
+          </a:prstGeom>
+          <a:noFill/>
+        </p:spPr>
+        <p:txBody>
+          <a:bodyPr wrap="none" rtlCol="0">
+            <a:spAutoFit/>
+          </a:bodyPr>
+          <a:lstStyle/>
+          <a:p>
             <a:r>
               <a:rPr lang="en-US" dirty="0">
                 <a:solidFill>
@@ -18255,25 +19513,10 @@
                 <a:ea typeface="Helvetica Neue Medium" panose="02000503000000020004" pitchFamily="2" charset="0"/>
                 <a:cs typeface="Helvetica Neue Medium" panose="02000503000000020004" pitchFamily="2" charset="0"/>
               </a:rPr>
-              <a:t> = 0.8005</a:t>
-            </a:r>
-          </a:p>
-          <a:p>
-            <a:pPr marL="285750" indent="-285750">
-              <a:buFont typeface="Arial" panose="020B0604020202020204" pitchFamily="34" charset="0"/>
-              <a:buChar char="•"/>
-            </a:pPr>
-            <a:r>
-              <a:rPr lang="en-US" dirty="0" err="1">
-                <a:solidFill>
-                  <a:schemeClr val="accent1"/>
-                </a:solidFill>
-                <a:latin typeface="Helvetica Neue Medium" panose="02000503000000020004" pitchFamily="2" charset="0"/>
-                <a:ea typeface="Helvetica Neue Medium" panose="02000503000000020004" pitchFamily="2" charset="0"/>
-                <a:cs typeface="Helvetica Neue Medium" panose="02000503000000020004" pitchFamily="2" charset="0"/>
-              </a:rPr>
-              <a:t>mse</a:t>
-            </a:r>
+              <a:t>Relationship </a:t>
+            </a:r>
+          </a:p>
+          <a:p>
             <a:r>
               <a:rPr lang="en-US" dirty="0">
                 <a:solidFill>
@@ -18283,25 +19526,39 @@
                 <a:ea typeface="Helvetica Neue Medium" panose="02000503000000020004" pitchFamily="2" charset="0"/>
                 <a:cs typeface="Helvetica Neue Medium" panose="02000503000000020004" pitchFamily="2" charset="0"/>
               </a:rPr>
-              <a:t> = 0.2780</a:t>
-            </a:r>
-          </a:p>
-          <a:p>
-            <a:pPr marL="285750" indent="-285750">
-              <a:buFont typeface="Arial" panose="020B0604020202020204" pitchFamily="34" charset="0"/>
-              <a:buChar char="•"/>
-            </a:pPr>
-            <a:r>
-              <a:rPr lang="en-US" sz="2000" dirty="0">
-                <a:solidFill>
-                  <a:schemeClr val="accent1"/>
-                </a:solidFill>
-                <a:latin typeface="+mj-lt"/>
-                <a:ea typeface="Helvetica Neue Medium" panose="02000503000000020004" pitchFamily="2" charset="0"/>
-                <a:cs typeface="Helvetica Neue Medium" panose="02000503000000020004" pitchFamily="2" charset="0"/>
-              </a:rPr>
-              <a:t>α</a:t>
-            </a:r>
+              <a:t>Significance</a:t>
+            </a:r>
+          </a:p>
+        </p:txBody>
+      </p:sp>
+      <p:sp>
+        <p:nvSpPr>
+          <p:cNvPr id="48" name="TextBox 47">
+            <a:extLst>
+              <a:ext uri="{FF2B5EF4-FFF2-40B4-BE49-F238E27FC236}">
+                <a16:creationId xmlns:a16="http://schemas.microsoft.com/office/drawing/2014/main" id="{AEE6C2AC-CB4B-E349-8E1F-B99AC9AF0174}"/>
+              </a:ext>
+            </a:extLst>
+          </p:cNvPr>
+          <p:cNvSpPr txBox="1"/>
+          <p:nvPr/>
+        </p:nvSpPr>
+        <p:spPr>
+          <a:xfrm>
+            <a:off x="2255877" y="5588813"/>
+            <a:ext cx="1229824" cy="369332"/>
+          </a:xfrm>
+          <a:prstGeom prst="rect">
+            <a:avLst/>
+          </a:prstGeom>
+          <a:noFill/>
+        </p:spPr>
+        <p:txBody>
+          <a:bodyPr wrap="none" rtlCol="0">
+            <a:spAutoFit/>
+          </a:bodyPr>
+          <a:lstStyle/>
+          <a:p>
             <a:r>
               <a:rPr lang="en-US" dirty="0">
                 <a:solidFill>
@@ -18311,7 +19568,7 @@
                 <a:ea typeface="Helvetica Neue Medium" panose="02000503000000020004" pitchFamily="2" charset="0"/>
                 <a:cs typeface="Helvetica Neue Medium" panose="02000503000000020004" pitchFamily="2" charset="0"/>
               </a:rPr>
-              <a:t> = 0.001</a:t>
+              <a:t>Residuals</a:t>
             </a:r>
           </a:p>
         </p:txBody>
@@ -18319,104 +19576,7 @@
     </p:spTree>
     <p:extLst>
       <p:ext uri="{BB962C8B-B14F-4D97-AF65-F5344CB8AC3E}">
-        <p14:creationId xmlns:p14="http://schemas.microsoft.com/office/powerpoint/2010/main" val="4241566492"/>
-      </p:ext>
-    </p:extLst>
-  </p:cSld>
-  <p:clrMapOvr>
-    <a:masterClrMapping/>
-  </p:clrMapOvr>
-</p:sld>
-</file>
-
-<file path=ppt/slides/slide9.xml><?xml version="1.0" encoding="utf-8"?>
-<p:sld xmlns:a="http://schemas.openxmlformats.org/drawingml/2006/main" xmlns:r="http://schemas.openxmlformats.org/officeDocument/2006/relationships" xmlns:p="http://schemas.openxmlformats.org/presentationml/2006/main">
-  <p:cSld>
-    <p:spTree>
-      <p:nvGrpSpPr>
-        <p:cNvPr id="1" name=""/>
-        <p:cNvGrpSpPr/>
-        <p:nvPr/>
-      </p:nvGrpSpPr>
-      <p:grpSpPr>
-        <a:xfrm>
-          <a:off x="0" y="0"/>
-          <a:ext cx="0" cy="0"/>
-          <a:chOff x="0" y="0"/>
-          <a:chExt cx="0" cy="0"/>
-        </a:xfrm>
-      </p:grpSpPr>
-      <p:sp>
-        <p:nvSpPr>
-          <p:cNvPr id="2" name="Title 1">
-            <a:extLst>
-              <a:ext uri="{FF2B5EF4-FFF2-40B4-BE49-F238E27FC236}">
-                <a16:creationId xmlns:a16="http://schemas.microsoft.com/office/drawing/2014/main" id="{05E690AE-7798-5E44-B0A7-C40DC7AC27D3}"/>
-              </a:ext>
-            </a:extLst>
-          </p:cNvPr>
-          <p:cNvSpPr>
-            <a:spLocks noGrp="1"/>
-          </p:cNvSpPr>
-          <p:nvPr>
-            <p:ph type="title"/>
-          </p:nvPr>
-        </p:nvSpPr>
-        <p:spPr>
-          <a:xfrm>
-            <a:off x="972600" y="814303"/>
-            <a:ext cx="10251600" cy="713600"/>
-          </a:xfrm>
-        </p:spPr>
-        <p:txBody>
-          <a:bodyPr/>
-          <a:lstStyle/>
-          <a:p>
-            <a:r>
-              <a:rPr lang="en-US" b="0" dirty="0">
-                <a:latin typeface="Helvetica Neue Medium" panose="02000503000000020004" pitchFamily="2" charset="0"/>
-                <a:ea typeface="Helvetica Neue Medium" panose="02000503000000020004" pitchFamily="2" charset="0"/>
-                <a:cs typeface="Helvetica Neue Medium" panose="02000503000000020004" pitchFamily="2" charset="0"/>
-              </a:rPr>
-              <a:t>Coefficients</a:t>
-            </a:r>
-          </a:p>
-        </p:txBody>
-      </p:sp>
-      <p:pic>
-        <p:nvPicPr>
-          <p:cNvPr id="5" name="Picture 4">
-            <a:extLst>
-              <a:ext uri="{FF2B5EF4-FFF2-40B4-BE49-F238E27FC236}">
-                <a16:creationId xmlns:a16="http://schemas.microsoft.com/office/drawing/2014/main" id="{4453B43D-2249-3D4C-BB7E-ABD542D377D7}"/>
-              </a:ext>
-            </a:extLst>
-          </p:cNvPr>
-          <p:cNvPicPr>
-            <a:picLocks noChangeAspect="1"/>
-          </p:cNvPicPr>
-          <p:nvPr/>
-        </p:nvPicPr>
-        <p:blipFill>
-          <a:blip r:embed="rId3"/>
-          <a:stretch>
-            <a:fillRect/>
-          </a:stretch>
-        </p:blipFill>
-        <p:spPr>
-          <a:xfrm>
-            <a:off x="2025384" y="1717554"/>
-            <a:ext cx="6161686" cy="4484456"/>
-          </a:xfrm>
-          <a:prstGeom prst="rect">
-            <a:avLst/>
-          </a:prstGeom>
-        </p:spPr>
-      </p:pic>
-    </p:spTree>
-    <p:extLst>
-      <p:ext uri="{BB962C8B-B14F-4D97-AF65-F5344CB8AC3E}">
-        <p14:creationId xmlns:p14="http://schemas.microsoft.com/office/powerpoint/2010/main" val="3477691884"/>
+        <p14:creationId xmlns:p14="http://schemas.microsoft.com/office/powerpoint/2010/main" val="2212256978"/>
       </p:ext>
     </p:extLst>
   </p:cSld>

--- a/Project 2/Project2-World Happiness.pptx
+++ b/Project 2/Project2-World Happiness.pptx
@@ -18579,13 +18579,13 @@
           <p:nvPr>
             <p:extLst>
               <p:ext uri="{D42A27DB-BD31-4B8C-83A1-F6EECF244321}">
-                <p14:modId xmlns:p14="http://schemas.microsoft.com/office/powerpoint/2010/main" val="4257139101"/>
+                <p14:modId xmlns:p14="http://schemas.microsoft.com/office/powerpoint/2010/main" val="976124878"/>
               </p:ext>
             </p:extLst>
           </p:nvPr>
         </p:nvGraphicFramePr>
         <p:xfrm>
-          <a:off x="1782486" y="2944080"/>
+          <a:off x="1801942" y="2930708"/>
           <a:ext cx="1802498" cy="1325062"/>
         </p:xfrm>
         <a:graphic>
